--- a/Documents/Presentation1.pptx
+++ b/Documents/Presentation1.pptx
@@ -9,6 +9,7 @@
     <p:sldId id="257" r:id="rId3"/>
     <p:sldId id="258" r:id="rId4"/>
     <p:sldId id="259" r:id="rId5"/>
+    <p:sldId id="260" r:id="rId6"/>
   </p:sldIdLst>
   <p:sldSz cx="12192000" cy="6858000"/>
   <p:notesSz cx="6858000" cy="9144000"/>
@@ -264,7 +265,7 @@
           <a:p>
             <a:fld id="{1C0D4917-17A0-D24E-A1AA-7BB5FF61E390}" type="datetimeFigureOut">
               <a:rPr lang="en-KR" smtClean="0"/>
-              <a:t>2023/02/27</a:t>
+              <a:t>2023/03/06</a:t>
             </a:fld>
             <a:endParaRPr lang="en-KR"/>
           </a:p>
@@ -464,7 +465,7 @@
           <a:p>
             <a:fld id="{1C0D4917-17A0-D24E-A1AA-7BB5FF61E390}" type="datetimeFigureOut">
               <a:rPr lang="en-KR" smtClean="0"/>
-              <a:t>2023/02/27</a:t>
+              <a:t>2023/03/06</a:t>
             </a:fld>
             <a:endParaRPr lang="en-KR"/>
           </a:p>
@@ -674,7 +675,7 @@
           <a:p>
             <a:fld id="{1C0D4917-17A0-D24E-A1AA-7BB5FF61E390}" type="datetimeFigureOut">
               <a:rPr lang="en-KR" smtClean="0"/>
-              <a:t>2023/02/27</a:t>
+              <a:t>2023/03/06</a:t>
             </a:fld>
             <a:endParaRPr lang="en-KR"/>
           </a:p>
@@ -874,7 +875,7 @@
           <a:p>
             <a:fld id="{1C0D4917-17A0-D24E-A1AA-7BB5FF61E390}" type="datetimeFigureOut">
               <a:rPr lang="en-KR" smtClean="0"/>
-              <a:t>2023/02/27</a:t>
+              <a:t>2023/03/06</a:t>
             </a:fld>
             <a:endParaRPr lang="en-KR"/>
           </a:p>
@@ -1150,7 +1151,7 @@
           <a:p>
             <a:fld id="{1C0D4917-17A0-D24E-A1AA-7BB5FF61E390}" type="datetimeFigureOut">
               <a:rPr lang="en-KR" smtClean="0"/>
-              <a:t>2023/02/27</a:t>
+              <a:t>2023/03/06</a:t>
             </a:fld>
             <a:endParaRPr lang="en-KR"/>
           </a:p>
@@ -1418,7 +1419,7 @@
           <a:p>
             <a:fld id="{1C0D4917-17A0-D24E-A1AA-7BB5FF61E390}" type="datetimeFigureOut">
               <a:rPr lang="en-KR" smtClean="0"/>
-              <a:t>2023/02/27</a:t>
+              <a:t>2023/03/06</a:t>
             </a:fld>
             <a:endParaRPr lang="en-KR"/>
           </a:p>
@@ -1833,7 +1834,7 @@
           <a:p>
             <a:fld id="{1C0D4917-17A0-D24E-A1AA-7BB5FF61E390}" type="datetimeFigureOut">
               <a:rPr lang="en-KR" smtClean="0"/>
-              <a:t>2023/02/27</a:t>
+              <a:t>2023/03/06</a:t>
             </a:fld>
             <a:endParaRPr lang="en-KR"/>
           </a:p>
@@ -1975,7 +1976,7 @@
           <a:p>
             <a:fld id="{1C0D4917-17A0-D24E-A1AA-7BB5FF61E390}" type="datetimeFigureOut">
               <a:rPr lang="en-KR" smtClean="0"/>
-              <a:t>2023/02/27</a:t>
+              <a:t>2023/03/06</a:t>
             </a:fld>
             <a:endParaRPr lang="en-KR"/>
           </a:p>
@@ -2088,7 +2089,7 @@
           <a:p>
             <a:fld id="{1C0D4917-17A0-D24E-A1AA-7BB5FF61E390}" type="datetimeFigureOut">
               <a:rPr lang="en-KR" smtClean="0"/>
-              <a:t>2023/02/27</a:t>
+              <a:t>2023/03/06</a:t>
             </a:fld>
             <a:endParaRPr lang="en-KR"/>
           </a:p>
@@ -2401,7 +2402,7 @@
           <a:p>
             <a:fld id="{1C0D4917-17A0-D24E-A1AA-7BB5FF61E390}" type="datetimeFigureOut">
               <a:rPr lang="en-KR" smtClean="0"/>
-              <a:t>2023/02/27</a:t>
+              <a:t>2023/03/06</a:t>
             </a:fld>
             <a:endParaRPr lang="en-KR"/>
           </a:p>
@@ -2690,7 +2691,7 @@
           <a:p>
             <a:fld id="{1C0D4917-17A0-D24E-A1AA-7BB5FF61E390}" type="datetimeFigureOut">
               <a:rPr lang="en-KR" smtClean="0"/>
-              <a:t>2023/02/27</a:t>
+              <a:t>2023/03/06</a:t>
             </a:fld>
             <a:endParaRPr lang="en-KR"/>
           </a:p>
@@ -2933,7 +2934,7 @@
           <a:p>
             <a:fld id="{1C0D4917-17A0-D24E-A1AA-7BB5FF61E390}" type="datetimeFigureOut">
               <a:rPr lang="en-KR" smtClean="0"/>
-              <a:t>2023/02/27</a:t>
+              <a:t>2023/03/06</a:t>
             </a:fld>
             <a:endParaRPr lang="en-KR"/>
           </a:p>
@@ -6909,7 +6910,7 @@
               <a:pPr algn="ctr"/>
               <a:r>
                 <a:rPr lang="en-KR" sz="3200" dirty="0"/>
-                <a:t>iOS / Web</a:t>
+                <a:t>Frontend</a:t>
               </a:r>
             </a:p>
           </p:txBody>
@@ -6947,7 +6948,7 @@
               <a:pPr algn="ctr"/>
               <a:r>
                 <a:rPr lang="en-KR" sz="3200" dirty="0"/>
-                <a:t>Spring boot</a:t>
+                <a:t>Backend</a:t>
               </a:r>
             </a:p>
           </p:txBody>
@@ -6985,12 +6986,9 @@
               <a:pPr algn="ctr"/>
               <a:r>
                 <a:rPr lang="en-US" sz="3200" dirty="0"/>
-                <a:t>M</a:t>
+                <a:t>Database</a:t>
               </a:r>
-              <a:r>
-                <a:rPr lang="en-KR" sz="3200" dirty="0"/>
-                <a:t>y SQL</a:t>
-              </a:r>
+              <a:endParaRPr lang="en-KR" sz="3200" dirty="0"/>
             </a:p>
           </p:txBody>
         </p:sp>
@@ -13919,6 +13917,1496 @@
 </p:sld>
 </file>
 
+<file path=ppt/slides/slide5.xml><?xml version="1.0" encoding="utf-8"?>
+<p:sld xmlns:a="http://schemas.openxmlformats.org/drawingml/2006/main" xmlns:r="http://schemas.openxmlformats.org/officeDocument/2006/relationships" xmlns:p="http://schemas.openxmlformats.org/presentationml/2006/main">
+  <p:cSld>
+    <p:spTree>
+      <p:nvGrpSpPr>
+        <p:cNvPr id="1" name=""/>
+        <p:cNvGrpSpPr/>
+        <p:nvPr/>
+      </p:nvGrpSpPr>
+      <p:grpSpPr>
+        <a:xfrm>
+          <a:off x="0" y="0"/>
+          <a:ext cx="0" cy="0"/>
+          <a:chOff x="0" y="0"/>
+          <a:chExt cx="0" cy="0"/>
+        </a:xfrm>
+      </p:grpSpPr>
+      <p:grpSp>
+        <p:nvGrpSpPr>
+          <p:cNvPr id="66" name="Group 65">
+            <a:extLst>
+              <a:ext uri="{FF2B5EF4-FFF2-40B4-BE49-F238E27FC236}">
+                <a16:creationId xmlns:a16="http://schemas.microsoft.com/office/drawing/2014/main" id="{FAA3930B-CAEA-43EA-E70D-E4EC1ED2161A}"/>
+              </a:ext>
+            </a:extLst>
+          </p:cNvPr>
+          <p:cNvGrpSpPr/>
+          <p:nvPr/>
+        </p:nvGrpSpPr>
+        <p:grpSpPr>
+          <a:xfrm>
+            <a:off x="949741" y="148624"/>
+            <a:ext cx="10292518" cy="6560752"/>
+            <a:chOff x="1156723" y="148624"/>
+            <a:chExt cx="10292518" cy="6560752"/>
+          </a:xfrm>
+        </p:grpSpPr>
+        <p:sp>
+          <p:nvSpPr>
+            <p:cNvPr id="4" name="Rectangle 3">
+              <a:extLst>
+                <a:ext uri="{FF2B5EF4-FFF2-40B4-BE49-F238E27FC236}">
+                  <a16:creationId xmlns:a16="http://schemas.microsoft.com/office/drawing/2014/main" id="{513B8517-45DC-D96E-A003-A3D76B2A14E9}"/>
+                </a:ext>
+              </a:extLst>
+            </p:cNvPr>
+            <p:cNvSpPr/>
+            <p:nvPr/>
+          </p:nvSpPr>
+          <p:spPr>
+            <a:xfrm>
+              <a:off x="2869547" y="756749"/>
+              <a:ext cx="1954924" cy="861848"/>
+            </a:xfrm>
+            <a:prstGeom prst="rect">
+              <a:avLst/>
+            </a:prstGeom>
+            <a:noFill/>
+            <a:ln>
+              <a:solidFill>
+                <a:schemeClr val="tx1"/>
+              </a:solidFill>
+            </a:ln>
+          </p:spPr>
+          <p:style>
+            <a:lnRef idx="2">
+              <a:schemeClr val="accent1">
+                <a:shade val="50000"/>
+              </a:schemeClr>
+            </a:lnRef>
+            <a:fillRef idx="1">
+              <a:schemeClr val="accent1"/>
+            </a:fillRef>
+            <a:effectRef idx="0">
+              <a:schemeClr val="accent1"/>
+            </a:effectRef>
+            <a:fontRef idx="minor">
+              <a:schemeClr val="lt1"/>
+            </a:fontRef>
+          </p:style>
+          <p:txBody>
+            <a:bodyPr rtlCol="0" anchor="ctr"/>
+            <a:lstStyle/>
+            <a:p>
+              <a:pPr algn="ctr"/>
+              <a:r>
+                <a:rPr lang="ko-KR" altLang="en-US" dirty="0">
+                  <a:solidFill>
+                    <a:schemeClr val="tx1"/>
+                  </a:solidFill>
+                </a:rPr>
+                <a:t>회원가입</a:t>
+              </a:r>
+              <a:r>
+                <a:rPr lang="en-US" altLang="ko-KR" dirty="0">
+                  <a:solidFill>
+                    <a:schemeClr val="tx1"/>
+                  </a:solidFill>
+                </a:rPr>
+                <a:t>/</a:t>
+              </a:r>
+              <a:r>
+                <a:rPr lang="ko-KR" altLang="en-US" dirty="0">
+                  <a:solidFill>
+                    <a:schemeClr val="tx1"/>
+                  </a:solidFill>
+                </a:rPr>
+                <a:t>로그인 </a:t>
+              </a:r>
+              <a:r>
+                <a:rPr lang="en-US" dirty="0">
+                  <a:solidFill>
+                    <a:schemeClr val="tx1"/>
+                  </a:solidFill>
+                </a:rPr>
+                <a:t>class</a:t>
+              </a:r>
+            </a:p>
+          </p:txBody>
+        </p:sp>
+        <p:sp>
+          <p:nvSpPr>
+            <p:cNvPr id="5" name="Rectangle 4">
+              <a:extLst>
+                <a:ext uri="{FF2B5EF4-FFF2-40B4-BE49-F238E27FC236}">
+                  <a16:creationId xmlns:a16="http://schemas.microsoft.com/office/drawing/2014/main" id="{A3EFE5E5-926F-41D2-AC2C-D0AFE651DFBE}"/>
+                </a:ext>
+              </a:extLst>
+            </p:cNvPr>
+            <p:cNvSpPr/>
+            <p:nvPr/>
+          </p:nvSpPr>
+          <p:spPr>
+            <a:xfrm>
+              <a:off x="2869547" y="5437183"/>
+              <a:ext cx="1954924" cy="861848"/>
+            </a:xfrm>
+            <a:prstGeom prst="rect">
+              <a:avLst/>
+            </a:prstGeom>
+            <a:noFill/>
+            <a:ln>
+              <a:solidFill>
+                <a:schemeClr val="tx1"/>
+              </a:solidFill>
+            </a:ln>
+          </p:spPr>
+          <p:style>
+            <a:lnRef idx="2">
+              <a:schemeClr val="accent1">
+                <a:shade val="50000"/>
+              </a:schemeClr>
+            </a:lnRef>
+            <a:fillRef idx="1">
+              <a:schemeClr val="accent1"/>
+            </a:fillRef>
+            <a:effectRef idx="0">
+              <a:schemeClr val="accent1"/>
+            </a:effectRef>
+            <a:fontRef idx="minor">
+              <a:schemeClr val="lt1"/>
+            </a:fontRef>
+          </p:style>
+          <p:txBody>
+            <a:bodyPr rtlCol="0" anchor="ctr"/>
+            <a:lstStyle/>
+            <a:p>
+              <a:pPr algn="ctr"/>
+              <a:r>
+                <a:rPr lang="ko-KR" altLang="en-US" dirty="0">
+                  <a:solidFill>
+                    <a:schemeClr val="tx1"/>
+                  </a:solidFill>
+                </a:rPr>
+                <a:t>여행 일정 확인 및 편집 </a:t>
+              </a:r>
+              <a:r>
+                <a:rPr lang="en-US" altLang="ko-KR" dirty="0">
+                  <a:solidFill>
+                    <a:schemeClr val="tx1"/>
+                  </a:solidFill>
+                </a:rPr>
+                <a:t>class</a:t>
+              </a:r>
+              <a:endParaRPr lang="ko-KR" altLang="en-US" dirty="0">
+                <a:solidFill>
+                  <a:schemeClr val="tx1"/>
+                </a:solidFill>
+              </a:endParaRPr>
+            </a:p>
+          </p:txBody>
+        </p:sp>
+        <p:sp>
+          <p:nvSpPr>
+            <p:cNvPr id="6" name="Rectangle 5">
+              <a:extLst>
+                <a:ext uri="{FF2B5EF4-FFF2-40B4-BE49-F238E27FC236}">
+                  <a16:creationId xmlns:a16="http://schemas.microsoft.com/office/drawing/2014/main" id="{F6F4B914-8006-94D0-E438-1CDD8AEEA296}"/>
+                </a:ext>
+              </a:extLst>
+            </p:cNvPr>
+            <p:cNvSpPr/>
+            <p:nvPr/>
+          </p:nvSpPr>
+          <p:spPr>
+            <a:xfrm>
+              <a:off x="2869547" y="4257632"/>
+              <a:ext cx="1954924" cy="861848"/>
+            </a:xfrm>
+            <a:prstGeom prst="rect">
+              <a:avLst/>
+            </a:prstGeom>
+            <a:noFill/>
+            <a:ln>
+              <a:solidFill>
+                <a:schemeClr val="tx1"/>
+              </a:solidFill>
+            </a:ln>
+          </p:spPr>
+          <p:style>
+            <a:lnRef idx="2">
+              <a:schemeClr val="accent1">
+                <a:shade val="50000"/>
+              </a:schemeClr>
+            </a:lnRef>
+            <a:fillRef idx="1">
+              <a:schemeClr val="accent1"/>
+            </a:fillRef>
+            <a:effectRef idx="0">
+              <a:schemeClr val="accent1"/>
+            </a:effectRef>
+            <a:fontRef idx="minor">
+              <a:schemeClr val="lt1"/>
+            </a:fontRef>
+          </p:style>
+          <p:txBody>
+            <a:bodyPr rtlCol="0" anchor="ctr"/>
+            <a:lstStyle/>
+            <a:p>
+              <a:pPr algn="ctr"/>
+              <a:r>
+                <a:rPr lang="ko-KR" altLang="en-US" dirty="0">
+                  <a:solidFill>
+                    <a:schemeClr val="tx1"/>
+                  </a:solidFill>
+                </a:rPr>
+                <a:t>전국일주 </a:t>
+              </a:r>
+              <a:r>
+                <a:rPr lang="ko-KR" altLang="en-US" dirty="0" err="1">
+                  <a:solidFill>
+                    <a:schemeClr val="tx1"/>
+                  </a:solidFill>
+                </a:rPr>
+                <a:t>완료율</a:t>
+              </a:r>
+              <a:r>
+                <a:rPr lang="ko-KR" altLang="en-US" dirty="0">
+                  <a:solidFill>
+                    <a:schemeClr val="tx1"/>
+                  </a:solidFill>
+                </a:rPr>
+                <a:t> 퍼센트 확인 </a:t>
+              </a:r>
+              <a:r>
+                <a:rPr lang="en-US" dirty="0">
+                  <a:solidFill>
+                    <a:schemeClr val="tx1"/>
+                  </a:solidFill>
+                </a:rPr>
+                <a:t>class</a:t>
+              </a:r>
+            </a:p>
+          </p:txBody>
+        </p:sp>
+        <p:sp>
+          <p:nvSpPr>
+            <p:cNvPr id="7" name="Rectangle 6">
+              <a:extLst>
+                <a:ext uri="{FF2B5EF4-FFF2-40B4-BE49-F238E27FC236}">
+                  <a16:creationId xmlns:a16="http://schemas.microsoft.com/office/drawing/2014/main" id="{6B298612-A8F4-74E2-80FF-50F0D0EC71E4}"/>
+                </a:ext>
+              </a:extLst>
+            </p:cNvPr>
+            <p:cNvSpPr/>
+            <p:nvPr/>
+          </p:nvSpPr>
+          <p:spPr>
+            <a:xfrm>
+              <a:off x="2869547" y="3078081"/>
+              <a:ext cx="1954924" cy="861848"/>
+            </a:xfrm>
+            <a:prstGeom prst="rect">
+              <a:avLst/>
+            </a:prstGeom>
+            <a:noFill/>
+            <a:ln>
+              <a:solidFill>
+                <a:schemeClr val="tx1"/>
+              </a:solidFill>
+            </a:ln>
+          </p:spPr>
+          <p:style>
+            <a:lnRef idx="2">
+              <a:schemeClr val="accent1">
+                <a:shade val="50000"/>
+              </a:schemeClr>
+            </a:lnRef>
+            <a:fillRef idx="1">
+              <a:schemeClr val="accent1"/>
+            </a:fillRef>
+            <a:effectRef idx="0">
+              <a:schemeClr val="accent1"/>
+            </a:effectRef>
+            <a:fontRef idx="minor">
+              <a:schemeClr val="lt1"/>
+            </a:fontRef>
+          </p:style>
+          <p:txBody>
+            <a:bodyPr rtlCol="0" anchor="ctr"/>
+            <a:lstStyle/>
+            <a:p>
+              <a:pPr algn="ctr"/>
+              <a:r>
+                <a:rPr lang="ko-KR" altLang="en-US" dirty="0">
+                  <a:solidFill>
+                    <a:schemeClr val="tx1"/>
+                  </a:solidFill>
+                </a:rPr>
+                <a:t>현재 여행 지역 위도 경도 값 전송 </a:t>
+              </a:r>
+              <a:r>
+                <a:rPr lang="en-US" dirty="0">
+                  <a:solidFill>
+                    <a:schemeClr val="tx1"/>
+                  </a:solidFill>
+                </a:rPr>
+                <a:t>class</a:t>
+              </a:r>
+            </a:p>
+          </p:txBody>
+        </p:sp>
+        <p:sp>
+          <p:nvSpPr>
+            <p:cNvPr id="8" name="Rectangle 7">
+              <a:extLst>
+                <a:ext uri="{FF2B5EF4-FFF2-40B4-BE49-F238E27FC236}">
+                  <a16:creationId xmlns:a16="http://schemas.microsoft.com/office/drawing/2014/main" id="{6C7F99A6-2A62-F7E8-1F83-5C5D32B8C289}"/>
+                </a:ext>
+              </a:extLst>
+            </p:cNvPr>
+            <p:cNvSpPr/>
+            <p:nvPr/>
+          </p:nvSpPr>
+          <p:spPr>
+            <a:xfrm>
+              <a:off x="2869547" y="1917415"/>
+              <a:ext cx="1954924" cy="861848"/>
+            </a:xfrm>
+            <a:prstGeom prst="rect">
+              <a:avLst/>
+            </a:prstGeom>
+            <a:noFill/>
+            <a:ln>
+              <a:solidFill>
+                <a:schemeClr val="tx1"/>
+              </a:solidFill>
+            </a:ln>
+          </p:spPr>
+          <p:style>
+            <a:lnRef idx="2">
+              <a:schemeClr val="accent1">
+                <a:shade val="50000"/>
+              </a:schemeClr>
+            </a:lnRef>
+            <a:fillRef idx="1">
+              <a:schemeClr val="accent1"/>
+            </a:fillRef>
+            <a:effectRef idx="0">
+              <a:schemeClr val="accent1"/>
+            </a:effectRef>
+            <a:fontRef idx="minor">
+              <a:schemeClr val="lt1"/>
+            </a:fontRef>
+          </p:style>
+          <p:txBody>
+            <a:bodyPr rtlCol="0" anchor="ctr"/>
+            <a:lstStyle/>
+            <a:p>
+              <a:pPr algn="ctr"/>
+              <a:r>
+                <a:rPr lang="ko-KR" altLang="en-US" dirty="0">
+                  <a:solidFill>
+                    <a:schemeClr val="tx1"/>
+                  </a:solidFill>
+                </a:rPr>
+                <a:t>과거 여행 지역 정보 </a:t>
+              </a:r>
+              <a:r>
+                <a:rPr lang="en-US" dirty="0">
+                  <a:solidFill>
+                    <a:schemeClr val="tx1"/>
+                  </a:solidFill>
+                </a:rPr>
+                <a:t>Load class</a:t>
+              </a:r>
+            </a:p>
+          </p:txBody>
+        </p:sp>
+        <p:sp>
+          <p:nvSpPr>
+            <p:cNvPr id="9" name="Rectangle 8">
+              <a:extLst>
+                <a:ext uri="{FF2B5EF4-FFF2-40B4-BE49-F238E27FC236}">
+                  <a16:creationId xmlns:a16="http://schemas.microsoft.com/office/drawing/2014/main" id="{CF9BA51F-ECDE-D719-B312-808CF5DF16E5}"/>
+                </a:ext>
+              </a:extLst>
+            </p:cNvPr>
+            <p:cNvSpPr/>
+            <p:nvPr/>
+          </p:nvSpPr>
+          <p:spPr>
+            <a:xfrm>
+              <a:off x="6654493" y="4258011"/>
+              <a:ext cx="1954924" cy="861848"/>
+            </a:xfrm>
+            <a:prstGeom prst="rect">
+              <a:avLst/>
+            </a:prstGeom>
+            <a:noFill/>
+            <a:ln>
+              <a:solidFill>
+                <a:schemeClr val="tx1"/>
+              </a:solidFill>
+            </a:ln>
+          </p:spPr>
+          <p:style>
+            <a:lnRef idx="2">
+              <a:schemeClr val="accent1">
+                <a:shade val="50000"/>
+              </a:schemeClr>
+            </a:lnRef>
+            <a:fillRef idx="1">
+              <a:schemeClr val="accent1"/>
+            </a:fillRef>
+            <a:effectRef idx="0">
+              <a:schemeClr val="accent1"/>
+            </a:effectRef>
+            <a:fontRef idx="minor">
+              <a:schemeClr val="lt1"/>
+            </a:fontRef>
+          </p:style>
+          <p:txBody>
+            <a:bodyPr rtlCol="0" anchor="ctr"/>
+            <a:lstStyle/>
+            <a:p>
+              <a:pPr algn="ctr"/>
+              <a:r>
+                <a:rPr lang="ko-KR" altLang="en-US" dirty="0">
+                  <a:solidFill>
+                    <a:schemeClr val="tx1"/>
+                  </a:solidFill>
+                </a:rPr>
+                <a:t>테마 분리 </a:t>
+              </a:r>
+              <a:r>
+                <a:rPr lang="en-US" dirty="0">
+                  <a:solidFill>
+                    <a:schemeClr val="tx1"/>
+                  </a:solidFill>
+                </a:rPr>
+                <a:t>class</a:t>
+              </a:r>
+              <a:endParaRPr lang="en-KR" dirty="0">
+                <a:solidFill>
+                  <a:schemeClr val="tx1"/>
+                </a:solidFill>
+              </a:endParaRPr>
+            </a:p>
+          </p:txBody>
+        </p:sp>
+        <p:sp>
+          <p:nvSpPr>
+            <p:cNvPr id="10" name="Rectangle 9">
+              <a:extLst>
+                <a:ext uri="{FF2B5EF4-FFF2-40B4-BE49-F238E27FC236}">
+                  <a16:creationId xmlns:a16="http://schemas.microsoft.com/office/drawing/2014/main" id="{3C0CA5F9-F28E-72BA-1408-A97B1B7CBCAD}"/>
+                </a:ext>
+              </a:extLst>
+            </p:cNvPr>
+            <p:cNvSpPr/>
+            <p:nvPr/>
+          </p:nvSpPr>
+          <p:spPr>
+            <a:xfrm>
+              <a:off x="6654493" y="3078081"/>
+              <a:ext cx="1954924" cy="861848"/>
+            </a:xfrm>
+            <a:prstGeom prst="rect">
+              <a:avLst/>
+            </a:prstGeom>
+            <a:noFill/>
+            <a:ln>
+              <a:solidFill>
+                <a:schemeClr val="tx1"/>
+              </a:solidFill>
+            </a:ln>
+          </p:spPr>
+          <p:style>
+            <a:lnRef idx="2">
+              <a:schemeClr val="accent1">
+                <a:shade val="50000"/>
+              </a:schemeClr>
+            </a:lnRef>
+            <a:fillRef idx="1">
+              <a:schemeClr val="accent1"/>
+            </a:fillRef>
+            <a:effectRef idx="0">
+              <a:schemeClr val="accent1"/>
+            </a:effectRef>
+            <a:fontRef idx="minor">
+              <a:schemeClr val="lt1"/>
+            </a:fontRef>
+          </p:style>
+          <p:txBody>
+            <a:bodyPr rtlCol="0" anchor="ctr"/>
+            <a:lstStyle/>
+            <a:p>
+              <a:pPr algn="ctr"/>
+              <a:r>
+                <a:rPr lang="ko-KR" altLang="en-US" dirty="0">
+                  <a:solidFill>
+                    <a:schemeClr val="tx1"/>
+                  </a:solidFill>
+                </a:rPr>
+                <a:t>지역 분리 </a:t>
+              </a:r>
+              <a:r>
+                <a:rPr lang="en-US" dirty="0">
+                  <a:solidFill>
+                    <a:schemeClr val="tx1"/>
+                  </a:solidFill>
+                </a:rPr>
+                <a:t>class</a:t>
+              </a:r>
+            </a:p>
+          </p:txBody>
+        </p:sp>
+        <p:sp>
+          <p:nvSpPr>
+            <p:cNvPr id="11" name="Rectangle 10">
+              <a:extLst>
+                <a:ext uri="{FF2B5EF4-FFF2-40B4-BE49-F238E27FC236}">
+                  <a16:creationId xmlns:a16="http://schemas.microsoft.com/office/drawing/2014/main" id="{98EF2EA0-626F-545C-2622-C38640D64F0D}"/>
+                </a:ext>
+              </a:extLst>
+            </p:cNvPr>
+            <p:cNvSpPr/>
+            <p:nvPr/>
+          </p:nvSpPr>
+          <p:spPr>
+            <a:xfrm>
+              <a:off x="6654493" y="1917415"/>
+              <a:ext cx="1954924" cy="861848"/>
+            </a:xfrm>
+            <a:prstGeom prst="rect">
+              <a:avLst/>
+            </a:prstGeom>
+            <a:noFill/>
+            <a:ln>
+              <a:solidFill>
+                <a:schemeClr val="tx1"/>
+              </a:solidFill>
+            </a:ln>
+          </p:spPr>
+          <p:style>
+            <a:lnRef idx="2">
+              <a:schemeClr val="accent1">
+                <a:shade val="50000"/>
+              </a:schemeClr>
+            </a:lnRef>
+            <a:fillRef idx="1">
+              <a:schemeClr val="accent1"/>
+            </a:fillRef>
+            <a:effectRef idx="0">
+              <a:schemeClr val="accent1"/>
+            </a:effectRef>
+            <a:fontRef idx="minor">
+              <a:schemeClr val="lt1"/>
+            </a:fontRef>
+          </p:style>
+          <p:txBody>
+            <a:bodyPr rtlCol="0" anchor="ctr"/>
+            <a:lstStyle/>
+            <a:p>
+              <a:pPr algn="ctr"/>
+              <a:r>
+                <a:rPr lang="ko-KR" altLang="en-US" dirty="0">
+                  <a:solidFill>
+                    <a:schemeClr val="tx1"/>
+                  </a:solidFill>
+                </a:rPr>
+                <a:t>사용자별 여행 정보 저장 </a:t>
+              </a:r>
+              <a:r>
+                <a:rPr lang="en-US" dirty="0">
+                  <a:solidFill>
+                    <a:schemeClr val="tx1"/>
+                  </a:solidFill>
+                </a:rPr>
+                <a:t>class</a:t>
+              </a:r>
+            </a:p>
+          </p:txBody>
+        </p:sp>
+        <p:sp>
+          <p:nvSpPr>
+            <p:cNvPr id="12" name="Rectangle 11">
+              <a:extLst>
+                <a:ext uri="{FF2B5EF4-FFF2-40B4-BE49-F238E27FC236}">
+                  <a16:creationId xmlns:a16="http://schemas.microsoft.com/office/drawing/2014/main" id="{1771D591-100D-EEE3-0031-D1D62B4D8ADF}"/>
+                </a:ext>
+              </a:extLst>
+            </p:cNvPr>
+            <p:cNvSpPr/>
+            <p:nvPr/>
+          </p:nvSpPr>
+          <p:spPr>
+            <a:xfrm>
+              <a:off x="6654493" y="756749"/>
+              <a:ext cx="1954924" cy="861848"/>
+            </a:xfrm>
+            <a:prstGeom prst="rect">
+              <a:avLst/>
+            </a:prstGeom>
+            <a:noFill/>
+            <a:ln>
+              <a:solidFill>
+                <a:schemeClr val="tx1"/>
+              </a:solidFill>
+            </a:ln>
+          </p:spPr>
+          <p:style>
+            <a:lnRef idx="2">
+              <a:schemeClr val="accent1">
+                <a:shade val="50000"/>
+              </a:schemeClr>
+            </a:lnRef>
+            <a:fillRef idx="1">
+              <a:schemeClr val="accent1"/>
+            </a:fillRef>
+            <a:effectRef idx="0">
+              <a:schemeClr val="accent1"/>
+            </a:effectRef>
+            <a:fontRef idx="minor">
+              <a:schemeClr val="lt1"/>
+            </a:fontRef>
+          </p:style>
+          <p:txBody>
+            <a:bodyPr rtlCol="0" anchor="ctr"/>
+            <a:lstStyle/>
+            <a:p>
+              <a:pPr algn="ctr"/>
+              <a:r>
+                <a:rPr lang="ko-KR" altLang="en-US" dirty="0">
+                  <a:solidFill>
+                    <a:schemeClr val="tx1"/>
+                  </a:solidFill>
+                </a:rPr>
+                <a:t>사용자별 정보 확인 </a:t>
+              </a:r>
+              <a:r>
+                <a:rPr lang="en-US" dirty="0">
+                  <a:solidFill>
+                    <a:schemeClr val="tx1"/>
+                  </a:solidFill>
+                </a:rPr>
+                <a:t>class</a:t>
+              </a:r>
+            </a:p>
+          </p:txBody>
+        </p:sp>
+        <p:cxnSp>
+          <p:nvCxnSpPr>
+            <p:cNvPr id="14" name="Straight Connector 13">
+              <a:extLst>
+                <a:ext uri="{FF2B5EF4-FFF2-40B4-BE49-F238E27FC236}">
+                  <a16:creationId xmlns:a16="http://schemas.microsoft.com/office/drawing/2014/main" id="{4EA46D83-205F-17B6-A3D9-E1DE2EB83220}"/>
+                </a:ext>
+              </a:extLst>
+            </p:cNvPr>
+            <p:cNvCxnSpPr>
+              <a:cxnSpLocks/>
+            </p:cNvCxnSpPr>
+            <p:nvPr/>
+          </p:nvCxnSpPr>
+          <p:spPr>
+            <a:xfrm>
+              <a:off x="5751410" y="148624"/>
+              <a:ext cx="0" cy="6560752"/>
+            </a:xfrm>
+            <a:prstGeom prst="line">
+              <a:avLst/>
+            </a:prstGeom>
+            <a:ln w="12700">
+              <a:solidFill>
+                <a:schemeClr val="tx1"/>
+              </a:solidFill>
+              <a:prstDash val="dashDot"/>
+            </a:ln>
+          </p:spPr>
+          <p:style>
+            <a:lnRef idx="1">
+              <a:schemeClr val="accent1"/>
+            </a:lnRef>
+            <a:fillRef idx="0">
+              <a:schemeClr val="accent1"/>
+            </a:fillRef>
+            <a:effectRef idx="0">
+              <a:schemeClr val="accent1"/>
+            </a:effectRef>
+            <a:fontRef idx="minor">
+              <a:schemeClr val="tx1"/>
+            </a:fontRef>
+          </p:style>
+        </p:cxnSp>
+        <p:sp>
+          <p:nvSpPr>
+            <p:cNvPr id="18" name="TextBox 17">
+              <a:extLst>
+                <a:ext uri="{FF2B5EF4-FFF2-40B4-BE49-F238E27FC236}">
+                  <a16:creationId xmlns:a16="http://schemas.microsoft.com/office/drawing/2014/main" id="{D029C030-C4CA-5AE0-BA23-1DF7F0A003E1}"/>
+                </a:ext>
+              </a:extLst>
+            </p:cNvPr>
+            <p:cNvSpPr txBox="1"/>
+            <p:nvPr/>
+          </p:nvSpPr>
+          <p:spPr>
+            <a:xfrm>
+              <a:off x="3088275" y="206890"/>
+              <a:ext cx="1517468" cy="523220"/>
+            </a:xfrm>
+            <a:prstGeom prst="rect">
+              <a:avLst/>
+            </a:prstGeom>
+            <a:noFill/>
+          </p:spPr>
+          <p:txBody>
+            <a:bodyPr wrap="none" rtlCol="0" anchor="ctr">
+              <a:spAutoFit/>
+            </a:bodyPr>
+            <a:lstStyle/>
+            <a:p>
+              <a:pPr algn="ctr"/>
+              <a:r>
+                <a:rPr lang="en-US" sz="2800" dirty="0" err="1"/>
+                <a:t>Forntend</a:t>
+              </a:r>
+              <a:endParaRPr lang="en-KR" sz="2800" dirty="0"/>
+            </a:p>
+          </p:txBody>
+        </p:sp>
+        <p:sp>
+          <p:nvSpPr>
+            <p:cNvPr id="19" name="TextBox 18">
+              <a:extLst>
+                <a:ext uri="{FF2B5EF4-FFF2-40B4-BE49-F238E27FC236}">
+                  <a16:creationId xmlns:a16="http://schemas.microsoft.com/office/drawing/2014/main" id="{1DDF60E3-13F1-D5C4-83BA-4DD6D3462CA1}"/>
+                </a:ext>
+              </a:extLst>
+            </p:cNvPr>
+            <p:cNvSpPr txBox="1"/>
+            <p:nvPr/>
+          </p:nvSpPr>
+          <p:spPr>
+            <a:xfrm>
+              <a:off x="6929421" y="206890"/>
+              <a:ext cx="1412246" cy="523220"/>
+            </a:xfrm>
+            <a:prstGeom prst="rect">
+              <a:avLst/>
+            </a:prstGeom>
+            <a:noFill/>
+          </p:spPr>
+          <p:txBody>
+            <a:bodyPr wrap="none" rtlCol="0" anchor="ctr">
+              <a:spAutoFit/>
+            </a:bodyPr>
+            <a:lstStyle/>
+            <a:p>
+              <a:pPr algn="ctr"/>
+              <a:r>
+                <a:rPr lang="en-US" sz="2800" dirty="0"/>
+                <a:t>Backend</a:t>
+              </a:r>
+              <a:endParaRPr lang="en-KR" sz="2800" dirty="0"/>
+            </a:p>
+          </p:txBody>
+        </p:sp>
+        <p:cxnSp>
+          <p:nvCxnSpPr>
+            <p:cNvPr id="22" name="Elbow Connector 21">
+              <a:extLst>
+                <a:ext uri="{FF2B5EF4-FFF2-40B4-BE49-F238E27FC236}">
+                  <a16:creationId xmlns:a16="http://schemas.microsoft.com/office/drawing/2014/main" id="{E80F7F13-15F7-F4C8-BB60-E27FA02FB3BA}"/>
+                </a:ext>
+              </a:extLst>
+            </p:cNvPr>
+            <p:cNvCxnSpPr>
+              <a:cxnSpLocks/>
+              <a:stCxn id="12" idx="3"/>
+            </p:cNvCxnSpPr>
+            <p:nvPr/>
+          </p:nvCxnSpPr>
+          <p:spPr>
+            <a:xfrm>
+              <a:off x="8609417" y="1187673"/>
+              <a:ext cx="2069260" cy="4409090"/>
+            </a:xfrm>
+            <a:prstGeom prst="bentConnector2">
+              <a:avLst/>
+            </a:prstGeom>
+            <a:ln>
+              <a:solidFill>
+                <a:schemeClr val="tx1"/>
+              </a:solidFill>
+              <a:tailEnd type="triangle"/>
+            </a:ln>
+          </p:spPr>
+          <p:style>
+            <a:lnRef idx="1">
+              <a:schemeClr val="accent1"/>
+            </a:lnRef>
+            <a:fillRef idx="0">
+              <a:schemeClr val="accent1"/>
+            </a:fillRef>
+            <a:effectRef idx="0">
+              <a:schemeClr val="accent1"/>
+            </a:effectRef>
+            <a:fontRef idx="minor">
+              <a:schemeClr val="tx1"/>
+            </a:fontRef>
+          </p:style>
+        </p:cxnSp>
+        <p:cxnSp>
+          <p:nvCxnSpPr>
+            <p:cNvPr id="25" name="Straight Connector 24">
+              <a:extLst>
+                <a:ext uri="{FF2B5EF4-FFF2-40B4-BE49-F238E27FC236}">
+                  <a16:creationId xmlns:a16="http://schemas.microsoft.com/office/drawing/2014/main" id="{7B0C1D9B-636D-7495-C735-018D24B7A1F4}"/>
+                </a:ext>
+              </a:extLst>
+            </p:cNvPr>
+            <p:cNvCxnSpPr>
+              <a:stCxn id="11" idx="3"/>
+            </p:cNvCxnSpPr>
+            <p:nvPr/>
+          </p:nvCxnSpPr>
+          <p:spPr>
+            <a:xfrm>
+              <a:off x="8609417" y="2348339"/>
+              <a:ext cx="2069260" cy="849"/>
+            </a:xfrm>
+            <a:prstGeom prst="line">
+              <a:avLst/>
+            </a:prstGeom>
+            <a:ln>
+              <a:solidFill>
+                <a:schemeClr val="tx1"/>
+              </a:solidFill>
+            </a:ln>
+          </p:spPr>
+          <p:style>
+            <a:lnRef idx="1">
+              <a:schemeClr val="accent1"/>
+            </a:lnRef>
+            <a:fillRef idx="0">
+              <a:schemeClr val="accent1"/>
+            </a:fillRef>
+            <a:effectRef idx="0">
+              <a:schemeClr val="accent1"/>
+            </a:effectRef>
+            <a:fontRef idx="minor">
+              <a:schemeClr val="tx1"/>
+            </a:fontRef>
+          </p:style>
+        </p:cxnSp>
+        <p:cxnSp>
+          <p:nvCxnSpPr>
+            <p:cNvPr id="27" name="Straight Connector 26">
+              <a:extLst>
+                <a:ext uri="{FF2B5EF4-FFF2-40B4-BE49-F238E27FC236}">
+                  <a16:creationId xmlns:a16="http://schemas.microsoft.com/office/drawing/2014/main" id="{451A0E38-7408-1E6E-F616-F6330115AD7E}"/>
+                </a:ext>
+              </a:extLst>
+            </p:cNvPr>
+            <p:cNvCxnSpPr>
+              <a:stCxn id="10" idx="3"/>
+            </p:cNvCxnSpPr>
+            <p:nvPr/>
+          </p:nvCxnSpPr>
+          <p:spPr>
+            <a:xfrm>
+              <a:off x="8609417" y="3509005"/>
+              <a:ext cx="2069260" cy="15479"/>
+            </a:xfrm>
+            <a:prstGeom prst="line">
+              <a:avLst/>
+            </a:prstGeom>
+            <a:ln>
+              <a:solidFill>
+                <a:schemeClr val="tx1"/>
+              </a:solidFill>
+            </a:ln>
+          </p:spPr>
+          <p:style>
+            <a:lnRef idx="1">
+              <a:schemeClr val="accent1"/>
+            </a:lnRef>
+            <a:fillRef idx="0">
+              <a:schemeClr val="accent1"/>
+            </a:fillRef>
+            <a:effectRef idx="0">
+              <a:schemeClr val="accent1"/>
+            </a:effectRef>
+            <a:fontRef idx="minor">
+              <a:schemeClr val="tx1"/>
+            </a:fontRef>
+          </p:style>
+        </p:cxnSp>
+        <p:cxnSp>
+          <p:nvCxnSpPr>
+            <p:cNvPr id="29" name="Straight Connector 28">
+              <a:extLst>
+                <a:ext uri="{FF2B5EF4-FFF2-40B4-BE49-F238E27FC236}">
+                  <a16:creationId xmlns:a16="http://schemas.microsoft.com/office/drawing/2014/main" id="{38DBECD6-51F9-07C2-7AD0-2446DE4DEDDD}"/>
+                </a:ext>
+              </a:extLst>
+            </p:cNvPr>
+            <p:cNvCxnSpPr>
+              <a:stCxn id="9" idx="3"/>
+            </p:cNvCxnSpPr>
+            <p:nvPr/>
+          </p:nvCxnSpPr>
+          <p:spPr>
+            <a:xfrm>
+              <a:off x="8609417" y="4688935"/>
+              <a:ext cx="2069260" cy="30109"/>
+            </a:xfrm>
+            <a:prstGeom prst="line">
+              <a:avLst/>
+            </a:prstGeom>
+            <a:ln>
+              <a:solidFill>
+                <a:schemeClr val="tx1"/>
+              </a:solidFill>
+            </a:ln>
+          </p:spPr>
+          <p:style>
+            <a:lnRef idx="1">
+              <a:schemeClr val="accent1"/>
+            </a:lnRef>
+            <a:fillRef idx="0">
+              <a:schemeClr val="accent1"/>
+            </a:fillRef>
+            <a:effectRef idx="0">
+              <a:schemeClr val="accent1"/>
+            </a:effectRef>
+            <a:fontRef idx="minor">
+              <a:schemeClr val="tx1"/>
+            </a:fontRef>
+          </p:style>
+        </p:cxnSp>
+        <p:cxnSp>
+          <p:nvCxnSpPr>
+            <p:cNvPr id="37" name="Straight Arrow Connector 36">
+              <a:extLst>
+                <a:ext uri="{FF2B5EF4-FFF2-40B4-BE49-F238E27FC236}">
+                  <a16:creationId xmlns:a16="http://schemas.microsoft.com/office/drawing/2014/main" id="{E7F726F8-A41A-D4FF-C528-BA2710EAC989}"/>
+                </a:ext>
+              </a:extLst>
+            </p:cNvPr>
+            <p:cNvCxnSpPr>
+              <a:stCxn id="4" idx="3"/>
+              <a:endCxn id="12" idx="1"/>
+            </p:cNvCxnSpPr>
+            <p:nvPr/>
+          </p:nvCxnSpPr>
+          <p:spPr>
+            <a:xfrm>
+              <a:off x="4824471" y="1187673"/>
+              <a:ext cx="1830022" cy="0"/>
+            </a:xfrm>
+            <a:prstGeom prst="straightConnector1">
+              <a:avLst/>
+            </a:prstGeom>
+            <a:ln>
+              <a:solidFill>
+                <a:schemeClr val="tx1"/>
+              </a:solidFill>
+              <a:headEnd type="triangle"/>
+              <a:tailEnd type="triangle"/>
+            </a:ln>
+          </p:spPr>
+          <p:style>
+            <a:lnRef idx="1">
+              <a:schemeClr val="accent1"/>
+            </a:lnRef>
+            <a:fillRef idx="0">
+              <a:schemeClr val="accent1"/>
+            </a:fillRef>
+            <a:effectRef idx="0">
+              <a:schemeClr val="accent1"/>
+            </a:effectRef>
+            <a:fontRef idx="minor">
+              <a:schemeClr val="tx1"/>
+            </a:fontRef>
+          </p:style>
+        </p:cxnSp>
+        <p:cxnSp>
+          <p:nvCxnSpPr>
+            <p:cNvPr id="43" name="Straight Arrow Connector 42">
+              <a:extLst>
+                <a:ext uri="{FF2B5EF4-FFF2-40B4-BE49-F238E27FC236}">
+                  <a16:creationId xmlns:a16="http://schemas.microsoft.com/office/drawing/2014/main" id="{D6692C3F-B395-F715-DDB8-3718BF892364}"/>
+                </a:ext>
+              </a:extLst>
+            </p:cNvPr>
+            <p:cNvCxnSpPr>
+              <a:stCxn id="11" idx="1"/>
+              <a:endCxn id="8" idx="3"/>
+            </p:cNvCxnSpPr>
+            <p:nvPr/>
+          </p:nvCxnSpPr>
+          <p:spPr>
+            <a:xfrm flipH="1">
+              <a:off x="4824471" y="2348339"/>
+              <a:ext cx="1830022" cy="0"/>
+            </a:xfrm>
+            <a:prstGeom prst="straightConnector1">
+              <a:avLst/>
+            </a:prstGeom>
+            <a:ln>
+              <a:solidFill>
+                <a:schemeClr val="tx1"/>
+              </a:solidFill>
+              <a:tailEnd type="triangle"/>
+            </a:ln>
+          </p:spPr>
+          <p:style>
+            <a:lnRef idx="1">
+              <a:schemeClr val="accent1"/>
+            </a:lnRef>
+            <a:fillRef idx="0">
+              <a:schemeClr val="accent1"/>
+            </a:fillRef>
+            <a:effectRef idx="0">
+              <a:schemeClr val="accent1"/>
+            </a:effectRef>
+            <a:fontRef idx="minor">
+              <a:schemeClr val="tx1"/>
+            </a:fontRef>
+          </p:style>
+        </p:cxnSp>
+        <p:cxnSp>
+          <p:nvCxnSpPr>
+            <p:cNvPr id="45" name="Elbow Connector 44">
+              <a:extLst>
+                <a:ext uri="{FF2B5EF4-FFF2-40B4-BE49-F238E27FC236}">
+                  <a16:creationId xmlns:a16="http://schemas.microsoft.com/office/drawing/2014/main" id="{FBFFFA6F-B481-1C2E-51A0-32238C9FA088}"/>
+                </a:ext>
+              </a:extLst>
+            </p:cNvPr>
+            <p:cNvCxnSpPr>
+              <a:cxnSpLocks/>
+              <a:stCxn id="8" idx="1"/>
+              <a:endCxn id="6" idx="1"/>
+            </p:cNvCxnSpPr>
+            <p:nvPr/>
+          </p:nvCxnSpPr>
+          <p:spPr>
+            <a:xfrm rot="10800000" flipV="1">
+              <a:off x="2869547" y="2348338"/>
+              <a:ext cx="12700" cy="2340217"/>
+            </a:xfrm>
+            <a:prstGeom prst="bentConnector3">
+              <a:avLst>
+                <a:gd name="adj1" fmla="val 5497299"/>
+              </a:avLst>
+            </a:prstGeom>
+            <a:ln>
+              <a:solidFill>
+                <a:schemeClr val="tx1"/>
+              </a:solidFill>
+              <a:tailEnd type="triangle"/>
+            </a:ln>
+          </p:spPr>
+          <p:style>
+            <a:lnRef idx="1">
+              <a:schemeClr val="accent1"/>
+            </a:lnRef>
+            <a:fillRef idx="0">
+              <a:schemeClr val="accent1"/>
+            </a:fillRef>
+            <a:effectRef idx="0">
+              <a:schemeClr val="accent1"/>
+            </a:effectRef>
+            <a:fontRef idx="minor">
+              <a:schemeClr val="tx1"/>
+            </a:fontRef>
+          </p:style>
+        </p:cxnSp>
+        <p:sp>
+          <p:nvSpPr>
+            <p:cNvPr id="49" name="TextBox 48">
+              <a:extLst>
+                <a:ext uri="{FF2B5EF4-FFF2-40B4-BE49-F238E27FC236}">
+                  <a16:creationId xmlns:a16="http://schemas.microsoft.com/office/drawing/2014/main" id="{3ED223BB-B765-0051-27A8-A096E6ABD509}"/>
+                </a:ext>
+              </a:extLst>
+            </p:cNvPr>
+            <p:cNvSpPr txBox="1"/>
+            <p:nvPr/>
+          </p:nvSpPr>
+          <p:spPr>
+            <a:xfrm>
+              <a:off x="5347386" y="815988"/>
+              <a:ext cx="784189" cy="369332"/>
+            </a:xfrm>
+            <a:prstGeom prst="rect">
+              <a:avLst/>
+            </a:prstGeom>
+            <a:solidFill>
+              <a:schemeClr val="bg1"/>
+            </a:solidFill>
+          </p:spPr>
+          <p:txBody>
+            <a:bodyPr wrap="none" rtlCol="0" anchor="ctr">
+              <a:spAutoFit/>
+            </a:bodyPr>
+            <a:lstStyle/>
+            <a:p>
+              <a:pPr algn="ctr"/>
+              <a:r>
+                <a:rPr lang="en-US" dirty="0"/>
+                <a:t>login</a:t>
+              </a:r>
+              <a:r>
+                <a:rPr lang="en-KR" dirty="0"/>
+                <a:t>()</a:t>
+              </a:r>
+            </a:p>
+          </p:txBody>
+        </p:sp>
+        <p:sp>
+          <p:nvSpPr>
+            <p:cNvPr id="50" name="TextBox 49">
+              <a:extLst>
+                <a:ext uri="{FF2B5EF4-FFF2-40B4-BE49-F238E27FC236}">
+                  <a16:creationId xmlns:a16="http://schemas.microsoft.com/office/drawing/2014/main" id="{87B7C8C4-7558-2DC1-F0CD-CB6216BB9876}"/>
+                </a:ext>
+              </a:extLst>
+            </p:cNvPr>
+            <p:cNvSpPr txBox="1"/>
+            <p:nvPr/>
+          </p:nvSpPr>
+          <p:spPr>
+            <a:xfrm>
+              <a:off x="5028197" y="1195568"/>
+              <a:ext cx="1422569" cy="369332"/>
+            </a:xfrm>
+            <a:prstGeom prst="rect">
+              <a:avLst/>
+            </a:prstGeom>
+            <a:solidFill>
+              <a:schemeClr val="bg1"/>
+            </a:solidFill>
+          </p:spPr>
+          <p:txBody>
+            <a:bodyPr wrap="none" rtlCol="0" anchor="ctr">
+              <a:spAutoFit/>
+            </a:bodyPr>
+            <a:lstStyle/>
+            <a:p>
+              <a:pPr algn="ctr"/>
+              <a:r>
+                <a:rPr lang="en-US" dirty="0" err="1"/>
+                <a:t>httpsession</a:t>
+              </a:r>
+              <a:r>
+                <a:rPr lang="en-KR" dirty="0"/>
+                <a:t>()</a:t>
+              </a:r>
+            </a:p>
+          </p:txBody>
+        </p:sp>
+        <p:sp>
+          <p:nvSpPr>
+            <p:cNvPr id="55" name="TextBox 54">
+              <a:extLst>
+                <a:ext uri="{FF2B5EF4-FFF2-40B4-BE49-F238E27FC236}">
+                  <a16:creationId xmlns:a16="http://schemas.microsoft.com/office/drawing/2014/main" id="{122C0D09-A62C-6A77-C688-FBF6B8A70DC3}"/>
+                </a:ext>
+              </a:extLst>
+            </p:cNvPr>
+            <p:cNvSpPr txBox="1"/>
+            <p:nvPr/>
+          </p:nvSpPr>
+          <p:spPr>
+            <a:xfrm>
+              <a:off x="5330553" y="2379135"/>
+              <a:ext cx="817853" cy="369332"/>
+            </a:xfrm>
+            <a:prstGeom prst="rect">
+              <a:avLst/>
+            </a:prstGeom>
+            <a:solidFill>
+              <a:schemeClr val="bg1"/>
+            </a:solidFill>
+          </p:spPr>
+          <p:txBody>
+            <a:bodyPr wrap="none" rtlCol="0" anchor="ctr">
+              <a:spAutoFit/>
+            </a:bodyPr>
+            <a:lstStyle/>
+            <a:p>
+              <a:pPr algn="ctr"/>
+              <a:r>
+                <a:rPr lang="en-US" dirty="0"/>
+                <a:t>mark</a:t>
+              </a:r>
+              <a:r>
+                <a:rPr lang="en-KR" dirty="0"/>
+                <a:t>()</a:t>
+              </a:r>
+            </a:p>
+          </p:txBody>
+        </p:sp>
+        <p:sp>
+          <p:nvSpPr>
+            <p:cNvPr id="56" name="TextBox 55">
+              <a:extLst>
+                <a:ext uri="{FF2B5EF4-FFF2-40B4-BE49-F238E27FC236}">
+                  <a16:creationId xmlns:a16="http://schemas.microsoft.com/office/drawing/2014/main" id="{B061DF5C-F1B9-BD5F-61AE-F1D211DF43C0}"/>
+                </a:ext>
+              </a:extLst>
+            </p:cNvPr>
+            <p:cNvSpPr txBox="1"/>
+            <p:nvPr/>
+          </p:nvSpPr>
+          <p:spPr>
+            <a:xfrm>
+              <a:off x="9641277" y="815988"/>
+              <a:ext cx="1037400" cy="369332"/>
+            </a:xfrm>
+            <a:prstGeom prst="rect">
+              <a:avLst/>
+            </a:prstGeom>
+            <a:noFill/>
+          </p:spPr>
+          <p:txBody>
+            <a:bodyPr wrap="none" rtlCol="0" anchor="ctr">
+              <a:spAutoFit/>
+            </a:bodyPr>
+            <a:lstStyle/>
+            <a:p>
+              <a:pPr algn="ctr"/>
+              <a:r>
+                <a:rPr lang="en-US" dirty="0"/>
+                <a:t>register</a:t>
+              </a:r>
+              <a:r>
+                <a:rPr lang="en-KR" dirty="0"/>
+                <a:t>()</a:t>
+              </a:r>
+            </a:p>
+          </p:txBody>
+        </p:sp>
+        <p:sp>
+          <p:nvSpPr>
+            <p:cNvPr id="57" name="TextBox 56">
+              <a:extLst>
+                <a:ext uri="{FF2B5EF4-FFF2-40B4-BE49-F238E27FC236}">
+                  <a16:creationId xmlns:a16="http://schemas.microsoft.com/office/drawing/2014/main" id="{273CC5FD-057B-0B3D-19B8-D916738FEDED}"/>
+                </a:ext>
+              </a:extLst>
+            </p:cNvPr>
+            <p:cNvSpPr txBox="1"/>
+            <p:nvPr/>
+          </p:nvSpPr>
+          <p:spPr>
+            <a:xfrm>
+              <a:off x="9923021" y="1977831"/>
+              <a:ext cx="755656" cy="369332"/>
+            </a:xfrm>
+            <a:prstGeom prst="rect">
+              <a:avLst/>
+            </a:prstGeom>
+            <a:noFill/>
+          </p:spPr>
+          <p:txBody>
+            <a:bodyPr wrap="none" rtlCol="0" anchor="ctr">
+              <a:spAutoFit/>
+            </a:bodyPr>
+            <a:lstStyle/>
+            <a:p>
+              <a:pPr algn="ctr"/>
+              <a:r>
+                <a:rPr lang="en-US" dirty="0"/>
+                <a:t>save</a:t>
+              </a:r>
+              <a:r>
+                <a:rPr lang="en-KR" dirty="0"/>
+                <a:t>()</a:t>
+              </a:r>
+            </a:p>
+          </p:txBody>
+        </p:sp>
+        <p:sp>
+          <p:nvSpPr>
+            <p:cNvPr id="58" name="TextBox 57">
+              <a:extLst>
+                <a:ext uri="{FF2B5EF4-FFF2-40B4-BE49-F238E27FC236}">
+                  <a16:creationId xmlns:a16="http://schemas.microsoft.com/office/drawing/2014/main" id="{FABF8719-6867-4A2F-FDF7-505486763E77}"/>
+                </a:ext>
+              </a:extLst>
+            </p:cNvPr>
+            <p:cNvSpPr txBox="1"/>
+            <p:nvPr/>
+          </p:nvSpPr>
+          <p:spPr>
+            <a:xfrm>
+              <a:off x="9968226" y="3164329"/>
+              <a:ext cx="710451" cy="369332"/>
+            </a:xfrm>
+            <a:prstGeom prst="rect">
+              <a:avLst/>
+            </a:prstGeom>
+            <a:noFill/>
+          </p:spPr>
+          <p:txBody>
+            <a:bodyPr wrap="none" rtlCol="0" anchor="ctr">
+              <a:spAutoFit/>
+            </a:bodyPr>
+            <a:lstStyle/>
+            <a:p>
+              <a:pPr algn="ctr"/>
+              <a:r>
+                <a:rPr lang="en-US" dirty="0"/>
+                <a:t>sort</a:t>
+              </a:r>
+              <a:r>
+                <a:rPr lang="en-KR" dirty="0"/>
+                <a:t>()</a:t>
+              </a:r>
+            </a:p>
+          </p:txBody>
+        </p:sp>
+        <p:sp>
+          <p:nvSpPr>
+            <p:cNvPr id="59" name="TextBox 58">
+              <a:extLst>
+                <a:ext uri="{FF2B5EF4-FFF2-40B4-BE49-F238E27FC236}">
+                  <a16:creationId xmlns:a16="http://schemas.microsoft.com/office/drawing/2014/main" id="{C0F506AE-416D-71E9-C92E-39F203E84E89}"/>
+                </a:ext>
+              </a:extLst>
+            </p:cNvPr>
+            <p:cNvSpPr txBox="1"/>
+            <p:nvPr/>
+          </p:nvSpPr>
+          <p:spPr>
+            <a:xfrm>
+              <a:off x="9703730" y="4349712"/>
+              <a:ext cx="974947" cy="369332"/>
+            </a:xfrm>
+            <a:prstGeom prst="rect">
+              <a:avLst/>
+            </a:prstGeom>
+            <a:noFill/>
+          </p:spPr>
+          <p:txBody>
+            <a:bodyPr wrap="none" rtlCol="0" anchor="ctr">
+              <a:spAutoFit/>
+            </a:bodyPr>
+            <a:lstStyle/>
+            <a:p>
+              <a:pPr algn="ctr"/>
+              <a:r>
+                <a:rPr lang="en-US" dirty="0"/>
+                <a:t>theme</a:t>
+              </a:r>
+              <a:r>
+                <a:rPr lang="en-KR" dirty="0"/>
+                <a:t>()</a:t>
+              </a:r>
+            </a:p>
+          </p:txBody>
+        </p:sp>
+        <p:sp>
+          <p:nvSpPr>
+            <p:cNvPr id="60" name="TextBox 59">
+              <a:extLst>
+                <a:ext uri="{FF2B5EF4-FFF2-40B4-BE49-F238E27FC236}">
+                  <a16:creationId xmlns:a16="http://schemas.microsoft.com/office/drawing/2014/main" id="{429959C2-37EA-0631-CEAF-C303A277BDE3}"/>
+                </a:ext>
+              </a:extLst>
+            </p:cNvPr>
+            <p:cNvSpPr txBox="1"/>
+            <p:nvPr/>
+          </p:nvSpPr>
+          <p:spPr>
+            <a:xfrm>
+              <a:off x="1156723" y="3324339"/>
+              <a:ext cx="1619482" cy="369332"/>
+            </a:xfrm>
+            <a:prstGeom prst="rect">
+              <a:avLst/>
+            </a:prstGeom>
+            <a:solidFill>
+              <a:schemeClr val="bg1"/>
+            </a:solidFill>
+          </p:spPr>
+          <p:txBody>
+            <a:bodyPr wrap="none" rtlCol="0">
+              <a:spAutoFit/>
+            </a:bodyPr>
+            <a:lstStyle/>
+            <a:p>
+              <a:r>
+                <a:rPr lang="en-US" dirty="0"/>
+                <a:t>m</a:t>
+              </a:r>
+              <a:r>
+                <a:rPr lang="en-KR" dirty="0"/>
+                <a:t>arkercluster()</a:t>
+              </a:r>
+            </a:p>
+          </p:txBody>
+        </p:sp>
+        <p:sp>
+          <p:nvSpPr>
+            <p:cNvPr id="61" name="TextBox 60">
+              <a:extLst>
+                <a:ext uri="{FF2B5EF4-FFF2-40B4-BE49-F238E27FC236}">
+                  <a16:creationId xmlns:a16="http://schemas.microsoft.com/office/drawing/2014/main" id="{594B09D1-1AD1-D0EE-F83A-93C87880188A}"/>
+                </a:ext>
+              </a:extLst>
+            </p:cNvPr>
+            <p:cNvSpPr txBox="1"/>
+            <p:nvPr/>
+          </p:nvSpPr>
+          <p:spPr>
+            <a:xfrm>
+              <a:off x="9908113" y="5598770"/>
+              <a:ext cx="1541128" cy="523220"/>
+            </a:xfrm>
+            <a:prstGeom prst="rect">
+              <a:avLst/>
+            </a:prstGeom>
+            <a:noFill/>
+          </p:spPr>
+          <p:txBody>
+            <a:bodyPr wrap="none" rtlCol="0" anchor="ctr">
+              <a:spAutoFit/>
+            </a:bodyPr>
+            <a:lstStyle/>
+            <a:p>
+              <a:pPr algn="ctr"/>
+              <a:r>
+                <a:rPr lang="en-KR" sz="2800" dirty="0"/>
+                <a:t>Database</a:t>
+              </a:r>
+            </a:p>
+          </p:txBody>
+        </p:sp>
+      </p:grpSp>
+    </p:spTree>
+    <p:extLst>
+      <p:ext uri="{BB962C8B-B14F-4D97-AF65-F5344CB8AC3E}">
+        <p14:creationId xmlns:p14="http://schemas.microsoft.com/office/powerpoint/2010/main" val="2840150417"/>
+      </p:ext>
+    </p:extLst>
+  </p:cSld>
+  <p:clrMapOvr>
+    <a:masterClrMapping/>
+  </p:clrMapOvr>
+</p:sld>
+</file>
+
 <file path=ppt/theme/theme1.xml><?xml version="1.0" encoding="utf-8"?>
 <a:theme xmlns:a="http://schemas.openxmlformats.org/drawingml/2006/main" name="Office Theme">
   <a:themeElements>

--- a/Documents/Presentation1.pptx
+++ b/Documents/Presentation1.pptx
@@ -265,7 +265,7 @@
           <a:p>
             <a:fld id="{1C0D4917-17A0-D24E-A1AA-7BB5FF61E390}" type="datetimeFigureOut">
               <a:rPr lang="en-KR" smtClean="0"/>
-              <a:t>2023/03/06</a:t>
+              <a:t>2023/03/20</a:t>
             </a:fld>
             <a:endParaRPr lang="en-KR"/>
           </a:p>
@@ -465,7 +465,7 @@
           <a:p>
             <a:fld id="{1C0D4917-17A0-D24E-A1AA-7BB5FF61E390}" type="datetimeFigureOut">
               <a:rPr lang="en-KR" smtClean="0"/>
-              <a:t>2023/03/06</a:t>
+              <a:t>2023/03/20</a:t>
             </a:fld>
             <a:endParaRPr lang="en-KR"/>
           </a:p>
@@ -675,7 +675,7 @@
           <a:p>
             <a:fld id="{1C0D4917-17A0-D24E-A1AA-7BB5FF61E390}" type="datetimeFigureOut">
               <a:rPr lang="en-KR" smtClean="0"/>
-              <a:t>2023/03/06</a:t>
+              <a:t>2023/03/20</a:t>
             </a:fld>
             <a:endParaRPr lang="en-KR"/>
           </a:p>
@@ -875,7 +875,7 @@
           <a:p>
             <a:fld id="{1C0D4917-17A0-D24E-A1AA-7BB5FF61E390}" type="datetimeFigureOut">
               <a:rPr lang="en-KR" smtClean="0"/>
-              <a:t>2023/03/06</a:t>
+              <a:t>2023/03/20</a:t>
             </a:fld>
             <a:endParaRPr lang="en-KR"/>
           </a:p>
@@ -1151,7 +1151,7 @@
           <a:p>
             <a:fld id="{1C0D4917-17A0-D24E-A1AA-7BB5FF61E390}" type="datetimeFigureOut">
               <a:rPr lang="en-KR" smtClean="0"/>
-              <a:t>2023/03/06</a:t>
+              <a:t>2023/03/20</a:t>
             </a:fld>
             <a:endParaRPr lang="en-KR"/>
           </a:p>
@@ -1419,7 +1419,7 @@
           <a:p>
             <a:fld id="{1C0D4917-17A0-D24E-A1AA-7BB5FF61E390}" type="datetimeFigureOut">
               <a:rPr lang="en-KR" smtClean="0"/>
-              <a:t>2023/03/06</a:t>
+              <a:t>2023/03/20</a:t>
             </a:fld>
             <a:endParaRPr lang="en-KR"/>
           </a:p>
@@ -1834,7 +1834,7 @@
           <a:p>
             <a:fld id="{1C0D4917-17A0-D24E-A1AA-7BB5FF61E390}" type="datetimeFigureOut">
               <a:rPr lang="en-KR" smtClean="0"/>
-              <a:t>2023/03/06</a:t>
+              <a:t>2023/03/20</a:t>
             </a:fld>
             <a:endParaRPr lang="en-KR"/>
           </a:p>
@@ -1976,7 +1976,7 @@
           <a:p>
             <a:fld id="{1C0D4917-17A0-D24E-A1AA-7BB5FF61E390}" type="datetimeFigureOut">
               <a:rPr lang="en-KR" smtClean="0"/>
-              <a:t>2023/03/06</a:t>
+              <a:t>2023/03/20</a:t>
             </a:fld>
             <a:endParaRPr lang="en-KR"/>
           </a:p>
@@ -2089,7 +2089,7 @@
           <a:p>
             <a:fld id="{1C0D4917-17A0-D24E-A1AA-7BB5FF61E390}" type="datetimeFigureOut">
               <a:rPr lang="en-KR" smtClean="0"/>
-              <a:t>2023/03/06</a:t>
+              <a:t>2023/03/20</a:t>
             </a:fld>
             <a:endParaRPr lang="en-KR"/>
           </a:p>
@@ -2402,7 +2402,7 @@
           <a:p>
             <a:fld id="{1C0D4917-17A0-D24E-A1AA-7BB5FF61E390}" type="datetimeFigureOut">
               <a:rPr lang="en-KR" smtClean="0"/>
-              <a:t>2023/03/06</a:t>
+              <a:t>2023/03/20</a:t>
             </a:fld>
             <a:endParaRPr lang="en-KR"/>
           </a:p>
@@ -2691,7 +2691,7 @@
           <a:p>
             <a:fld id="{1C0D4917-17A0-D24E-A1AA-7BB5FF61E390}" type="datetimeFigureOut">
               <a:rPr lang="en-KR" smtClean="0"/>
-              <a:t>2023/03/06</a:t>
+              <a:t>2023/03/20</a:t>
             </a:fld>
             <a:endParaRPr lang="en-KR"/>
           </a:p>
@@ -2934,7 +2934,7 @@
           <a:p>
             <a:fld id="{1C0D4917-17A0-D24E-A1AA-7BB5FF61E390}" type="datetimeFigureOut">
               <a:rPr lang="en-KR" smtClean="0"/>
-              <a:t>2023/03/06</a:t>
+              <a:t>2023/03/20</a:t>
             </a:fld>
             <a:endParaRPr lang="en-KR"/>
           </a:p>
@@ -13936,10 +13936,10 @@
       </p:grpSpPr>
       <p:grpSp>
         <p:nvGrpSpPr>
-          <p:cNvPr id="66" name="Group 65">
+          <p:cNvPr id="23" name="Group 22">
             <a:extLst>
               <a:ext uri="{FF2B5EF4-FFF2-40B4-BE49-F238E27FC236}">
-                <a16:creationId xmlns:a16="http://schemas.microsoft.com/office/drawing/2014/main" id="{FAA3930B-CAEA-43EA-E70D-E4EC1ED2161A}"/>
+                <a16:creationId xmlns:a16="http://schemas.microsoft.com/office/drawing/2014/main" id="{D5B57250-C21B-BEBB-ED93-BBBEF785E465}"/>
               </a:ext>
             </a:extLst>
           </p:cNvPr>
@@ -13950,16 +13950,1477 @@
           <a:xfrm>
             <a:off x="949741" y="148624"/>
             <a:ext cx="10292518" cy="6560752"/>
-            <a:chOff x="1156723" y="148624"/>
+            <a:chOff x="949741" y="148624"/>
             <a:chExt cx="10292518" cy="6560752"/>
           </a:xfrm>
         </p:grpSpPr>
+        <p:grpSp>
+          <p:nvGrpSpPr>
+            <p:cNvPr id="66" name="Group 65">
+              <a:extLst>
+                <a:ext uri="{FF2B5EF4-FFF2-40B4-BE49-F238E27FC236}">
+                  <a16:creationId xmlns:a16="http://schemas.microsoft.com/office/drawing/2014/main" id="{FAA3930B-CAEA-43EA-E70D-E4EC1ED2161A}"/>
+                </a:ext>
+              </a:extLst>
+            </p:cNvPr>
+            <p:cNvGrpSpPr/>
+            <p:nvPr/>
+          </p:nvGrpSpPr>
+          <p:grpSpPr>
+            <a:xfrm>
+              <a:off x="949741" y="148624"/>
+              <a:ext cx="10292518" cy="6560752"/>
+              <a:chOff x="1156723" y="148624"/>
+              <a:chExt cx="10292518" cy="6560752"/>
+            </a:xfrm>
+          </p:grpSpPr>
+          <p:sp>
+            <p:nvSpPr>
+              <p:cNvPr id="4" name="Rectangle 3">
+                <a:extLst>
+                  <a:ext uri="{FF2B5EF4-FFF2-40B4-BE49-F238E27FC236}">
+                    <a16:creationId xmlns:a16="http://schemas.microsoft.com/office/drawing/2014/main" id="{513B8517-45DC-D96E-A003-A3D76B2A14E9}"/>
+                  </a:ext>
+                </a:extLst>
+              </p:cNvPr>
+              <p:cNvSpPr/>
+              <p:nvPr/>
+            </p:nvSpPr>
+            <p:spPr>
+              <a:xfrm>
+                <a:off x="2869547" y="756749"/>
+                <a:ext cx="1954924" cy="861848"/>
+              </a:xfrm>
+              <a:prstGeom prst="rect">
+                <a:avLst/>
+              </a:prstGeom>
+              <a:noFill/>
+              <a:ln>
+                <a:solidFill>
+                  <a:schemeClr val="tx1"/>
+                </a:solidFill>
+              </a:ln>
+            </p:spPr>
+            <p:style>
+              <a:lnRef idx="2">
+                <a:schemeClr val="accent1">
+                  <a:shade val="50000"/>
+                </a:schemeClr>
+              </a:lnRef>
+              <a:fillRef idx="1">
+                <a:schemeClr val="accent1"/>
+              </a:fillRef>
+              <a:effectRef idx="0">
+                <a:schemeClr val="accent1"/>
+              </a:effectRef>
+              <a:fontRef idx="minor">
+                <a:schemeClr val="lt1"/>
+              </a:fontRef>
+            </p:style>
+            <p:txBody>
+              <a:bodyPr rtlCol="0" anchor="ctr"/>
+              <a:lstStyle/>
+              <a:p>
+                <a:pPr algn="ctr"/>
+                <a:r>
+                  <a:rPr lang="ko-KR" altLang="en-US" dirty="0">
+                    <a:solidFill>
+                      <a:schemeClr val="tx1"/>
+                    </a:solidFill>
+                  </a:rPr>
+                  <a:t>회원가입</a:t>
+                </a:r>
+                <a:r>
+                  <a:rPr lang="en-US" altLang="ko-KR" dirty="0">
+                    <a:solidFill>
+                      <a:schemeClr val="tx1"/>
+                    </a:solidFill>
+                  </a:rPr>
+                  <a:t>/</a:t>
+                </a:r>
+                <a:r>
+                  <a:rPr lang="ko-KR" altLang="en-US" dirty="0">
+                    <a:solidFill>
+                      <a:schemeClr val="tx1"/>
+                    </a:solidFill>
+                  </a:rPr>
+                  <a:t>로그인 </a:t>
+                </a:r>
+                <a:r>
+                  <a:rPr lang="en-US" dirty="0">
+                    <a:solidFill>
+                      <a:schemeClr val="tx1"/>
+                    </a:solidFill>
+                  </a:rPr>
+                  <a:t>class</a:t>
+                </a:r>
+              </a:p>
+            </p:txBody>
+          </p:sp>
+          <p:sp>
+            <p:nvSpPr>
+              <p:cNvPr id="5" name="Rectangle 4">
+                <a:extLst>
+                  <a:ext uri="{FF2B5EF4-FFF2-40B4-BE49-F238E27FC236}">
+                    <a16:creationId xmlns:a16="http://schemas.microsoft.com/office/drawing/2014/main" id="{A3EFE5E5-926F-41D2-AC2C-D0AFE651DFBE}"/>
+                  </a:ext>
+                </a:extLst>
+              </p:cNvPr>
+              <p:cNvSpPr/>
+              <p:nvPr/>
+            </p:nvSpPr>
+            <p:spPr>
+              <a:xfrm>
+                <a:off x="2869547" y="5437183"/>
+                <a:ext cx="1954924" cy="861848"/>
+              </a:xfrm>
+              <a:prstGeom prst="rect">
+                <a:avLst/>
+              </a:prstGeom>
+              <a:noFill/>
+              <a:ln>
+                <a:solidFill>
+                  <a:schemeClr val="tx1"/>
+                </a:solidFill>
+              </a:ln>
+            </p:spPr>
+            <p:style>
+              <a:lnRef idx="2">
+                <a:schemeClr val="accent1">
+                  <a:shade val="50000"/>
+                </a:schemeClr>
+              </a:lnRef>
+              <a:fillRef idx="1">
+                <a:schemeClr val="accent1"/>
+              </a:fillRef>
+              <a:effectRef idx="0">
+                <a:schemeClr val="accent1"/>
+              </a:effectRef>
+              <a:fontRef idx="minor">
+                <a:schemeClr val="lt1"/>
+              </a:fontRef>
+            </p:style>
+            <p:txBody>
+              <a:bodyPr rtlCol="0" anchor="ctr"/>
+              <a:lstStyle/>
+              <a:p>
+                <a:pPr algn="ctr"/>
+                <a:r>
+                  <a:rPr lang="ko-KR" altLang="en-US" dirty="0">
+                    <a:solidFill>
+                      <a:schemeClr val="tx1"/>
+                    </a:solidFill>
+                  </a:rPr>
+                  <a:t>현재 여행 지역 위도 경도 값 전송 </a:t>
+                </a:r>
+                <a:r>
+                  <a:rPr lang="en-US" dirty="0">
+                    <a:solidFill>
+                      <a:schemeClr val="tx1"/>
+                    </a:solidFill>
+                  </a:rPr>
+                  <a:t>class</a:t>
+                </a:r>
+              </a:p>
+            </p:txBody>
+          </p:sp>
+          <p:sp>
+            <p:nvSpPr>
+              <p:cNvPr id="6" name="Rectangle 5">
+                <a:extLst>
+                  <a:ext uri="{FF2B5EF4-FFF2-40B4-BE49-F238E27FC236}">
+                    <a16:creationId xmlns:a16="http://schemas.microsoft.com/office/drawing/2014/main" id="{F6F4B914-8006-94D0-E438-1CDD8AEEA296}"/>
+                  </a:ext>
+                </a:extLst>
+              </p:cNvPr>
+              <p:cNvSpPr/>
+              <p:nvPr/>
+            </p:nvSpPr>
+            <p:spPr>
+              <a:xfrm>
+                <a:off x="2869547" y="4257632"/>
+                <a:ext cx="1954924" cy="861848"/>
+              </a:xfrm>
+              <a:prstGeom prst="rect">
+                <a:avLst/>
+              </a:prstGeom>
+              <a:noFill/>
+              <a:ln>
+                <a:solidFill>
+                  <a:schemeClr val="tx1"/>
+                </a:solidFill>
+              </a:ln>
+            </p:spPr>
+            <p:style>
+              <a:lnRef idx="2">
+                <a:schemeClr val="accent1">
+                  <a:shade val="50000"/>
+                </a:schemeClr>
+              </a:lnRef>
+              <a:fillRef idx="1">
+                <a:schemeClr val="accent1"/>
+              </a:fillRef>
+              <a:effectRef idx="0">
+                <a:schemeClr val="accent1"/>
+              </a:effectRef>
+              <a:fontRef idx="minor">
+                <a:schemeClr val="lt1"/>
+              </a:fontRef>
+            </p:style>
+            <p:txBody>
+              <a:bodyPr rtlCol="0" anchor="ctr"/>
+              <a:lstStyle/>
+              <a:p>
+                <a:pPr algn="ctr"/>
+                <a:r>
+                  <a:rPr lang="ko-KR" altLang="en-US" dirty="0">
+                    <a:solidFill>
+                      <a:schemeClr val="tx1"/>
+                    </a:solidFill>
+                  </a:rPr>
+                  <a:t>전국일주 </a:t>
+                </a:r>
+                <a:r>
+                  <a:rPr lang="ko-KR" altLang="en-US" dirty="0" err="1">
+                    <a:solidFill>
+                      <a:schemeClr val="tx1"/>
+                    </a:solidFill>
+                  </a:rPr>
+                  <a:t>완료율</a:t>
+                </a:r>
+                <a:r>
+                  <a:rPr lang="ko-KR" altLang="en-US" dirty="0">
+                    <a:solidFill>
+                      <a:schemeClr val="tx1"/>
+                    </a:solidFill>
+                  </a:rPr>
+                  <a:t> 퍼센트 확인 </a:t>
+                </a:r>
+                <a:r>
+                  <a:rPr lang="en-US" dirty="0">
+                    <a:solidFill>
+                      <a:schemeClr val="tx1"/>
+                    </a:solidFill>
+                  </a:rPr>
+                  <a:t>class</a:t>
+                </a:r>
+              </a:p>
+            </p:txBody>
+          </p:sp>
+          <p:sp>
+            <p:nvSpPr>
+              <p:cNvPr id="7" name="Rectangle 6">
+                <a:extLst>
+                  <a:ext uri="{FF2B5EF4-FFF2-40B4-BE49-F238E27FC236}">
+                    <a16:creationId xmlns:a16="http://schemas.microsoft.com/office/drawing/2014/main" id="{6B298612-A8F4-74E2-80FF-50F0D0EC71E4}"/>
+                  </a:ext>
+                </a:extLst>
+              </p:cNvPr>
+              <p:cNvSpPr/>
+              <p:nvPr/>
+            </p:nvSpPr>
+            <p:spPr>
+              <a:xfrm>
+                <a:off x="2869547" y="3078081"/>
+                <a:ext cx="1954924" cy="861848"/>
+              </a:xfrm>
+              <a:prstGeom prst="rect">
+                <a:avLst/>
+              </a:prstGeom>
+              <a:noFill/>
+              <a:ln>
+                <a:solidFill>
+                  <a:schemeClr val="tx1"/>
+                </a:solidFill>
+              </a:ln>
+            </p:spPr>
+            <p:style>
+              <a:lnRef idx="2">
+                <a:schemeClr val="accent1">
+                  <a:shade val="50000"/>
+                </a:schemeClr>
+              </a:lnRef>
+              <a:fillRef idx="1">
+                <a:schemeClr val="accent1"/>
+              </a:fillRef>
+              <a:effectRef idx="0">
+                <a:schemeClr val="accent1"/>
+              </a:effectRef>
+              <a:fontRef idx="minor">
+                <a:schemeClr val="lt1"/>
+              </a:fontRef>
+            </p:style>
+            <p:txBody>
+              <a:bodyPr rtlCol="0" anchor="ctr"/>
+              <a:lstStyle/>
+              <a:p>
+                <a:pPr algn="ctr"/>
+                <a:r>
+                  <a:rPr lang="ko-KR" altLang="en-US" dirty="0">
+                    <a:solidFill>
+                      <a:schemeClr val="tx1"/>
+                    </a:solidFill>
+                  </a:rPr>
+                  <a:t>여행 일정 확인 및 편집 </a:t>
+                </a:r>
+                <a:r>
+                  <a:rPr lang="en-US" altLang="ko-KR" dirty="0">
+                    <a:solidFill>
+                      <a:schemeClr val="tx1"/>
+                    </a:solidFill>
+                  </a:rPr>
+                  <a:t>class</a:t>
+                </a:r>
+                <a:endParaRPr lang="ko-KR" altLang="en-US" dirty="0">
+                  <a:solidFill>
+                    <a:schemeClr val="tx1"/>
+                  </a:solidFill>
+                </a:endParaRPr>
+              </a:p>
+            </p:txBody>
+          </p:sp>
+          <p:sp>
+            <p:nvSpPr>
+              <p:cNvPr id="8" name="Rectangle 7">
+                <a:extLst>
+                  <a:ext uri="{FF2B5EF4-FFF2-40B4-BE49-F238E27FC236}">
+                    <a16:creationId xmlns:a16="http://schemas.microsoft.com/office/drawing/2014/main" id="{6C7F99A6-2A62-F7E8-1F83-5C5D32B8C289}"/>
+                  </a:ext>
+                </a:extLst>
+              </p:cNvPr>
+              <p:cNvSpPr/>
+              <p:nvPr/>
+            </p:nvSpPr>
+            <p:spPr>
+              <a:xfrm>
+                <a:off x="2869547" y="1917415"/>
+                <a:ext cx="1954924" cy="861848"/>
+              </a:xfrm>
+              <a:prstGeom prst="rect">
+                <a:avLst/>
+              </a:prstGeom>
+              <a:noFill/>
+              <a:ln>
+                <a:solidFill>
+                  <a:schemeClr val="tx1"/>
+                </a:solidFill>
+              </a:ln>
+            </p:spPr>
+            <p:style>
+              <a:lnRef idx="2">
+                <a:schemeClr val="accent1">
+                  <a:shade val="50000"/>
+                </a:schemeClr>
+              </a:lnRef>
+              <a:fillRef idx="1">
+                <a:schemeClr val="accent1"/>
+              </a:fillRef>
+              <a:effectRef idx="0">
+                <a:schemeClr val="accent1"/>
+              </a:effectRef>
+              <a:fontRef idx="minor">
+                <a:schemeClr val="lt1"/>
+              </a:fontRef>
+            </p:style>
+            <p:txBody>
+              <a:bodyPr rtlCol="0" anchor="ctr"/>
+              <a:lstStyle/>
+              <a:p>
+                <a:pPr algn="ctr"/>
+                <a:r>
+                  <a:rPr lang="ko-KR" altLang="en-US" dirty="0">
+                    <a:solidFill>
+                      <a:schemeClr val="tx1"/>
+                    </a:solidFill>
+                  </a:rPr>
+                  <a:t>과거 여행 지역 정보 </a:t>
+                </a:r>
+                <a:r>
+                  <a:rPr lang="en-US" dirty="0">
+                    <a:solidFill>
+                      <a:schemeClr val="tx1"/>
+                    </a:solidFill>
+                  </a:rPr>
+                  <a:t>Load class</a:t>
+                </a:r>
+              </a:p>
+            </p:txBody>
+          </p:sp>
+          <p:sp>
+            <p:nvSpPr>
+              <p:cNvPr id="9" name="Rectangle 8">
+                <a:extLst>
+                  <a:ext uri="{FF2B5EF4-FFF2-40B4-BE49-F238E27FC236}">
+                    <a16:creationId xmlns:a16="http://schemas.microsoft.com/office/drawing/2014/main" id="{CF9BA51F-ECDE-D719-B312-808CF5DF16E5}"/>
+                  </a:ext>
+                </a:extLst>
+              </p:cNvPr>
+              <p:cNvSpPr/>
+              <p:nvPr/>
+            </p:nvSpPr>
+            <p:spPr>
+              <a:xfrm>
+                <a:off x="6654493" y="4258011"/>
+                <a:ext cx="1954924" cy="861848"/>
+              </a:xfrm>
+              <a:prstGeom prst="rect">
+                <a:avLst/>
+              </a:prstGeom>
+              <a:noFill/>
+              <a:ln>
+                <a:solidFill>
+                  <a:schemeClr val="tx1"/>
+                </a:solidFill>
+              </a:ln>
+            </p:spPr>
+            <p:style>
+              <a:lnRef idx="2">
+                <a:schemeClr val="accent1">
+                  <a:shade val="50000"/>
+                </a:schemeClr>
+              </a:lnRef>
+              <a:fillRef idx="1">
+                <a:schemeClr val="accent1"/>
+              </a:fillRef>
+              <a:effectRef idx="0">
+                <a:schemeClr val="accent1"/>
+              </a:effectRef>
+              <a:fontRef idx="minor">
+                <a:schemeClr val="lt1"/>
+              </a:fontRef>
+            </p:style>
+            <p:txBody>
+              <a:bodyPr rtlCol="0" anchor="ctr"/>
+              <a:lstStyle/>
+              <a:p>
+                <a:pPr algn="ctr"/>
+                <a:r>
+                  <a:rPr lang="ko-KR" altLang="en-US" dirty="0">
+                    <a:solidFill>
+                      <a:schemeClr val="tx1"/>
+                    </a:solidFill>
+                  </a:rPr>
+                  <a:t>테마 분리 </a:t>
+                </a:r>
+                <a:r>
+                  <a:rPr lang="en-US" dirty="0">
+                    <a:solidFill>
+                      <a:schemeClr val="tx1"/>
+                    </a:solidFill>
+                  </a:rPr>
+                  <a:t>class</a:t>
+                </a:r>
+                <a:endParaRPr lang="en-KR" dirty="0">
+                  <a:solidFill>
+                    <a:schemeClr val="tx1"/>
+                  </a:solidFill>
+                </a:endParaRPr>
+              </a:p>
+            </p:txBody>
+          </p:sp>
+          <p:sp>
+            <p:nvSpPr>
+              <p:cNvPr id="10" name="Rectangle 9">
+                <a:extLst>
+                  <a:ext uri="{FF2B5EF4-FFF2-40B4-BE49-F238E27FC236}">
+                    <a16:creationId xmlns:a16="http://schemas.microsoft.com/office/drawing/2014/main" id="{3C0CA5F9-F28E-72BA-1408-A97B1B7CBCAD}"/>
+                  </a:ext>
+                </a:extLst>
+              </p:cNvPr>
+              <p:cNvSpPr/>
+              <p:nvPr/>
+            </p:nvSpPr>
+            <p:spPr>
+              <a:xfrm>
+                <a:off x="6654493" y="3078081"/>
+                <a:ext cx="1954924" cy="861848"/>
+              </a:xfrm>
+              <a:prstGeom prst="rect">
+                <a:avLst/>
+              </a:prstGeom>
+              <a:noFill/>
+              <a:ln>
+                <a:solidFill>
+                  <a:schemeClr val="tx1"/>
+                </a:solidFill>
+              </a:ln>
+            </p:spPr>
+            <p:style>
+              <a:lnRef idx="2">
+                <a:schemeClr val="accent1">
+                  <a:shade val="50000"/>
+                </a:schemeClr>
+              </a:lnRef>
+              <a:fillRef idx="1">
+                <a:schemeClr val="accent1"/>
+              </a:fillRef>
+              <a:effectRef idx="0">
+                <a:schemeClr val="accent1"/>
+              </a:effectRef>
+              <a:fontRef idx="minor">
+                <a:schemeClr val="lt1"/>
+              </a:fontRef>
+            </p:style>
+            <p:txBody>
+              <a:bodyPr rtlCol="0" anchor="ctr"/>
+              <a:lstStyle/>
+              <a:p>
+                <a:pPr algn="ctr"/>
+                <a:r>
+                  <a:rPr lang="ko-KR" altLang="en-US" dirty="0">
+                    <a:solidFill>
+                      <a:schemeClr val="tx1"/>
+                    </a:solidFill>
+                  </a:rPr>
+                  <a:t>지역 분리 </a:t>
+                </a:r>
+                <a:r>
+                  <a:rPr lang="en-US" dirty="0">
+                    <a:solidFill>
+                      <a:schemeClr val="tx1"/>
+                    </a:solidFill>
+                  </a:rPr>
+                  <a:t>class</a:t>
+                </a:r>
+              </a:p>
+            </p:txBody>
+          </p:sp>
+          <p:sp>
+            <p:nvSpPr>
+              <p:cNvPr id="11" name="Rectangle 10">
+                <a:extLst>
+                  <a:ext uri="{FF2B5EF4-FFF2-40B4-BE49-F238E27FC236}">
+                    <a16:creationId xmlns:a16="http://schemas.microsoft.com/office/drawing/2014/main" id="{98EF2EA0-626F-545C-2622-C38640D64F0D}"/>
+                  </a:ext>
+                </a:extLst>
+              </p:cNvPr>
+              <p:cNvSpPr/>
+              <p:nvPr/>
+            </p:nvSpPr>
+            <p:spPr>
+              <a:xfrm>
+                <a:off x="6654493" y="1917415"/>
+                <a:ext cx="1954924" cy="861848"/>
+              </a:xfrm>
+              <a:prstGeom prst="rect">
+                <a:avLst/>
+              </a:prstGeom>
+              <a:noFill/>
+              <a:ln>
+                <a:solidFill>
+                  <a:schemeClr val="tx1"/>
+                </a:solidFill>
+              </a:ln>
+            </p:spPr>
+            <p:style>
+              <a:lnRef idx="2">
+                <a:schemeClr val="accent1">
+                  <a:shade val="50000"/>
+                </a:schemeClr>
+              </a:lnRef>
+              <a:fillRef idx="1">
+                <a:schemeClr val="accent1"/>
+              </a:fillRef>
+              <a:effectRef idx="0">
+                <a:schemeClr val="accent1"/>
+              </a:effectRef>
+              <a:fontRef idx="minor">
+                <a:schemeClr val="lt1"/>
+              </a:fontRef>
+            </p:style>
+            <p:txBody>
+              <a:bodyPr rtlCol="0" anchor="ctr"/>
+              <a:lstStyle/>
+              <a:p>
+                <a:pPr algn="ctr"/>
+                <a:r>
+                  <a:rPr lang="ko-KR" altLang="en-US" dirty="0">
+                    <a:solidFill>
+                      <a:schemeClr val="tx1"/>
+                    </a:solidFill>
+                  </a:rPr>
+                  <a:t>사용자별 여행 정보 저장 </a:t>
+                </a:r>
+                <a:r>
+                  <a:rPr lang="en-US" dirty="0">
+                    <a:solidFill>
+                      <a:schemeClr val="tx1"/>
+                    </a:solidFill>
+                  </a:rPr>
+                  <a:t>class</a:t>
+                </a:r>
+              </a:p>
+            </p:txBody>
+          </p:sp>
+          <p:sp>
+            <p:nvSpPr>
+              <p:cNvPr id="12" name="Rectangle 11">
+                <a:extLst>
+                  <a:ext uri="{FF2B5EF4-FFF2-40B4-BE49-F238E27FC236}">
+                    <a16:creationId xmlns:a16="http://schemas.microsoft.com/office/drawing/2014/main" id="{1771D591-100D-EEE3-0031-D1D62B4D8ADF}"/>
+                  </a:ext>
+                </a:extLst>
+              </p:cNvPr>
+              <p:cNvSpPr/>
+              <p:nvPr/>
+            </p:nvSpPr>
+            <p:spPr>
+              <a:xfrm>
+                <a:off x="6654493" y="756749"/>
+                <a:ext cx="1954924" cy="861848"/>
+              </a:xfrm>
+              <a:prstGeom prst="rect">
+                <a:avLst/>
+              </a:prstGeom>
+              <a:noFill/>
+              <a:ln>
+                <a:solidFill>
+                  <a:schemeClr val="tx1"/>
+                </a:solidFill>
+              </a:ln>
+            </p:spPr>
+            <p:style>
+              <a:lnRef idx="2">
+                <a:schemeClr val="accent1">
+                  <a:shade val="50000"/>
+                </a:schemeClr>
+              </a:lnRef>
+              <a:fillRef idx="1">
+                <a:schemeClr val="accent1"/>
+              </a:fillRef>
+              <a:effectRef idx="0">
+                <a:schemeClr val="accent1"/>
+              </a:effectRef>
+              <a:fontRef idx="minor">
+                <a:schemeClr val="lt1"/>
+              </a:fontRef>
+            </p:style>
+            <p:txBody>
+              <a:bodyPr rtlCol="0" anchor="ctr"/>
+              <a:lstStyle/>
+              <a:p>
+                <a:pPr algn="ctr"/>
+                <a:r>
+                  <a:rPr lang="ko-KR" altLang="en-US" dirty="0">
+                    <a:solidFill>
+                      <a:schemeClr val="tx1"/>
+                    </a:solidFill>
+                  </a:rPr>
+                  <a:t>사용자별 정보 확인 </a:t>
+                </a:r>
+                <a:r>
+                  <a:rPr lang="en-US" dirty="0">
+                    <a:solidFill>
+                      <a:schemeClr val="tx1"/>
+                    </a:solidFill>
+                  </a:rPr>
+                  <a:t>class</a:t>
+                </a:r>
+              </a:p>
+            </p:txBody>
+          </p:sp>
+          <p:cxnSp>
+            <p:nvCxnSpPr>
+              <p:cNvPr id="14" name="Straight Connector 13">
+                <a:extLst>
+                  <a:ext uri="{FF2B5EF4-FFF2-40B4-BE49-F238E27FC236}">
+                    <a16:creationId xmlns:a16="http://schemas.microsoft.com/office/drawing/2014/main" id="{4EA46D83-205F-17B6-A3D9-E1DE2EB83220}"/>
+                  </a:ext>
+                </a:extLst>
+              </p:cNvPr>
+              <p:cNvCxnSpPr>
+                <a:cxnSpLocks/>
+              </p:cNvCxnSpPr>
+              <p:nvPr/>
+            </p:nvCxnSpPr>
+            <p:spPr>
+              <a:xfrm>
+                <a:off x="5751410" y="148624"/>
+                <a:ext cx="0" cy="6560752"/>
+              </a:xfrm>
+              <a:prstGeom prst="line">
+                <a:avLst/>
+              </a:prstGeom>
+              <a:ln w="12700">
+                <a:solidFill>
+                  <a:schemeClr val="tx1"/>
+                </a:solidFill>
+                <a:prstDash val="dashDot"/>
+              </a:ln>
+            </p:spPr>
+            <p:style>
+              <a:lnRef idx="1">
+                <a:schemeClr val="accent1"/>
+              </a:lnRef>
+              <a:fillRef idx="0">
+                <a:schemeClr val="accent1"/>
+              </a:fillRef>
+              <a:effectRef idx="0">
+                <a:schemeClr val="accent1"/>
+              </a:effectRef>
+              <a:fontRef idx="minor">
+                <a:schemeClr val="tx1"/>
+              </a:fontRef>
+            </p:style>
+          </p:cxnSp>
+          <p:sp>
+            <p:nvSpPr>
+              <p:cNvPr id="18" name="TextBox 17">
+                <a:extLst>
+                  <a:ext uri="{FF2B5EF4-FFF2-40B4-BE49-F238E27FC236}">
+                    <a16:creationId xmlns:a16="http://schemas.microsoft.com/office/drawing/2014/main" id="{D029C030-C4CA-5AE0-BA23-1DF7F0A003E1}"/>
+                  </a:ext>
+                </a:extLst>
+              </p:cNvPr>
+              <p:cNvSpPr txBox="1"/>
+              <p:nvPr/>
+            </p:nvSpPr>
+            <p:spPr>
+              <a:xfrm>
+                <a:off x="3088275" y="206890"/>
+                <a:ext cx="1517468" cy="523220"/>
+              </a:xfrm>
+              <a:prstGeom prst="rect">
+                <a:avLst/>
+              </a:prstGeom>
+              <a:noFill/>
+            </p:spPr>
+            <p:txBody>
+              <a:bodyPr wrap="none" rtlCol="0" anchor="ctr">
+                <a:spAutoFit/>
+              </a:bodyPr>
+              <a:lstStyle/>
+              <a:p>
+                <a:pPr algn="ctr"/>
+                <a:r>
+                  <a:rPr lang="en-US" sz="2800" dirty="0" err="1"/>
+                  <a:t>Forntend</a:t>
+                </a:r>
+                <a:endParaRPr lang="en-KR" sz="2800" dirty="0"/>
+              </a:p>
+            </p:txBody>
+          </p:sp>
+          <p:sp>
+            <p:nvSpPr>
+              <p:cNvPr id="19" name="TextBox 18">
+                <a:extLst>
+                  <a:ext uri="{FF2B5EF4-FFF2-40B4-BE49-F238E27FC236}">
+                    <a16:creationId xmlns:a16="http://schemas.microsoft.com/office/drawing/2014/main" id="{1DDF60E3-13F1-D5C4-83BA-4DD6D3462CA1}"/>
+                  </a:ext>
+                </a:extLst>
+              </p:cNvPr>
+              <p:cNvSpPr txBox="1"/>
+              <p:nvPr/>
+            </p:nvSpPr>
+            <p:spPr>
+              <a:xfrm>
+                <a:off x="6929421" y="206890"/>
+                <a:ext cx="1412246" cy="523220"/>
+              </a:xfrm>
+              <a:prstGeom prst="rect">
+                <a:avLst/>
+              </a:prstGeom>
+              <a:noFill/>
+            </p:spPr>
+            <p:txBody>
+              <a:bodyPr wrap="none" rtlCol="0" anchor="ctr">
+                <a:spAutoFit/>
+              </a:bodyPr>
+              <a:lstStyle/>
+              <a:p>
+                <a:pPr algn="ctr"/>
+                <a:r>
+                  <a:rPr lang="en-US" sz="2800" dirty="0"/>
+                  <a:t>Backend</a:t>
+                </a:r>
+                <a:endParaRPr lang="en-KR" sz="2800" dirty="0"/>
+              </a:p>
+            </p:txBody>
+          </p:sp>
+          <p:cxnSp>
+            <p:nvCxnSpPr>
+              <p:cNvPr id="22" name="Elbow Connector 21">
+                <a:extLst>
+                  <a:ext uri="{FF2B5EF4-FFF2-40B4-BE49-F238E27FC236}">
+                    <a16:creationId xmlns:a16="http://schemas.microsoft.com/office/drawing/2014/main" id="{E80F7F13-15F7-F4C8-BB60-E27FA02FB3BA}"/>
+                  </a:ext>
+                </a:extLst>
+              </p:cNvPr>
+              <p:cNvCxnSpPr>
+                <a:cxnSpLocks/>
+                <a:stCxn id="12" idx="3"/>
+                <a:endCxn id="61" idx="0"/>
+              </p:cNvCxnSpPr>
+              <p:nvPr/>
+            </p:nvCxnSpPr>
+            <p:spPr>
+              <a:xfrm>
+                <a:off x="8609417" y="1187673"/>
+                <a:ext cx="2069260" cy="4998483"/>
+              </a:xfrm>
+              <a:prstGeom prst="bentConnector2">
+                <a:avLst/>
+              </a:prstGeom>
+              <a:ln>
+                <a:solidFill>
+                  <a:schemeClr val="tx1"/>
+                </a:solidFill>
+                <a:tailEnd type="triangle"/>
+              </a:ln>
+            </p:spPr>
+            <p:style>
+              <a:lnRef idx="1">
+                <a:schemeClr val="accent1"/>
+              </a:lnRef>
+              <a:fillRef idx="0">
+                <a:schemeClr val="accent1"/>
+              </a:fillRef>
+              <a:effectRef idx="0">
+                <a:schemeClr val="accent1"/>
+              </a:effectRef>
+              <a:fontRef idx="minor">
+                <a:schemeClr val="tx1"/>
+              </a:fontRef>
+            </p:style>
+          </p:cxnSp>
+          <p:cxnSp>
+            <p:nvCxnSpPr>
+              <p:cNvPr id="25" name="Straight Connector 24">
+                <a:extLst>
+                  <a:ext uri="{FF2B5EF4-FFF2-40B4-BE49-F238E27FC236}">
+                    <a16:creationId xmlns:a16="http://schemas.microsoft.com/office/drawing/2014/main" id="{7B0C1D9B-636D-7495-C735-018D24B7A1F4}"/>
+                  </a:ext>
+                </a:extLst>
+              </p:cNvPr>
+              <p:cNvCxnSpPr>
+                <a:stCxn id="11" idx="3"/>
+              </p:cNvCxnSpPr>
+              <p:nvPr/>
+            </p:nvCxnSpPr>
+            <p:spPr>
+              <a:xfrm>
+                <a:off x="8609417" y="2348339"/>
+                <a:ext cx="2069260" cy="849"/>
+              </a:xfrm>
+              <a:prstGeom prst="line">
+                <a:avLst/>
+              </a:prstGeom>
+              <a:ln>
+                <a:solidFill>
+                  <a:schemeClr val="tx1"/>
+                </a:solidFill>
+              </a:ln>
+            </p:spPr>
+            <p:style>
+              <a:lnRef idx="1">
+                <a:schemeClr val="accent1"/>
+              </a:lnRef>
+              <a:fillRef idx="0">
+                <a:schemeClr val="accent1"/>
+              </a:fillRef>
+              <a:effectRef idx="0">
+                <a:schemeClr val="accent1"/>
+              </a:effectRef>
+              <a:fontRef idx="minor">
+                <a:schemeClr val="tx1"/>
+              </a:fontRef>
+            </p:style>
+          </p:cxnSp>
+          <p:cxnSp>
+            <p:nvCxnSpPr>
+              <p:cNvPr id="27" name="Straight Connector 26">
+                <a:extLst>
+                  <a:ext uri="{FF2B5EF4-FFF2-40B4-BE49-F238E27FC236}">
+                    <a16:creationId xmlns:a16="http://schemas.microsoft.com/office/drawing/2014/main" id="{451A0E38-7408-1E6E-F616-F6330115AD7E}"/>
+                  </a:ext>
+                </a:extLst>
+              </p:cNvPr>
+              <p:cNvCxnSpPr>
+                <a:stCxn id="10" idx="3"/>
+              </p:cNvCxnSpPr>
+              <p:nvPr/>
+            </p:nvCxnSpPr>
+            <p:spPr>
+              <a:xfrm>
+                <a:off x="8609417" y="3509005"/>
+                <a:ext cx="2069260" cy="15479"/>
+              </a:xfrm>
+              <a:prstGeom prst="line">
+                <a:avLst/>
+              </a:prstGeom>
+              <a:ln>
+                <a:solidFill>
+                  <a:schemeClr val="tx1"/>
+                </a:solidFill>
+              </a:ln>
+            </p:spPr>
+            <p:style>
+              <a:lnRef idx="1">
+                <a:schemeClr val="accent1"/>
+              </a:lnRef>
+              <a:fillRef idx="0">
+                <a:schemeClr val="accent1"/>
+              </a:fillRef>
+              <a:effectRef idx="0">
+                <a:schemeClr val="accent1"/>
+              </a:effectRef>
+              <a:fontRef idx="minor">
+                <a:schemeClr val="tx1"/>
+              </a:fontRef>
+            </p:style>
+          </p:cxnSp>
+          <p:cxnSp>
+            <p:nvCxnSpPr>
+              <p:cNvPr id="29" name="Straight Connector 28">
+                <a:extLst>
+                  <a:ext uri="{FF2B5EF4-FFF2-40B4-BE49-F238E27FC236}">
+                    <a16:creationId xmlns:a16="http://schemas.microsoft.com/office/drawing/2014/main" id="{38DBECD6-51F9-07C2-7AD0-2446DE4DEDDD}"/>
+                  </a:ext>
+                </a:extLst>
+              </p:cNvPr>
+              <p:cNvCxnSpPr>
+                <a:stCxn id="9" idx="3"/>
+              </p:cNvCxnSpPr>
+              <p:nvPr/>
+            </p:nvCxnSpPr>
+            <p:spPr>
+              <a:xfrm>
+                <a:off x="8609417" y="4688935"/>
+                <a:ext cx="2069260" cy="30109"/>
+              </a:xfrm>
+              <a:prstGeom prst="line">
+                <a:avLst/>
+              </a:prstGeom>
+              <a:ln>
+                <a:solidFill>
+                  <a:schemeClr val="tx1"/>
+                </a:solidFill>
+              </a:ln>
+            </p:spPr>
+            <p:style>
+              <a:lnRef idx="1">
+                <a:schemeClr val="accent1"/>
+              </a:lnRef>
+              <a:fillRef idx="0">
+                <a:schemeClr val="accent1"/>
+              </a:fillRef>
+              <a:effectRef idx="0">
+                <a:schemeClr val="accent1"/>
+              </a:effectRef>
+              <a:fontRef idx="minor">
+                <a:schemeClr val="tx1"/>
+              </a:fontRef>
+            </p:style>
+          </p:cxnSp>
+          <p:cxnSp>
+            <p:nvCxnSpPr>
+              <p:cNvPr id="37" name="Straight Arrow Connector 36">
+                <a:extLst>
+                  <a:ext uri="{FF2B5EF4-FFF2-40B4-BE49-F238E27FC236}">
+                    <a16:creationId xmlns:a16="http://schemas.microsoft.com/office/drawing/2014/main" id="{E7F726F8-A41A-D4FF-C528-BA2710EAC989}"/>
+                  </a:ext>
+                </a:extLst>
+              </p:cNvPr>
+              <p:cNvCxnSpPr>
+                <a:stCxn id="4" idx="3"/>
+                <a:endCxn id="12" idx="1"/>
+              </p:cNvCxnSpPr>
+              <p:nvPr/>
+            </p:nvCxnSpPr>
+            <p:spPr>
+              <a:xfrm>
+                <a:off x="4824471" y="1187673"/>
+                <a:ext cx="1830022" cy="0"/>
+              </a:xfrm>
+              <a:prstGeom prst="straightConnector1">
+                <a:avLst/>
+              </a:prstGeom>
+              <a:ln>
+                <a:solidFill>
+                  <a:schemeClr val="tx1"/>
+                </a:solidFill>
+                <a:headEnd type="triangle"/>
+                <a:tailEnd type="triangle"/>
+              </a:ln>
+            </p:spPr>
+            <p:style>
+              <a:lnRef idx="1">
+                <a:schemeClr val="accent1"/>
+              </a:lnRef>
+              <a:fillRef idx="0">
+                <a:schemeClr val="accent1"/>
+              </a:fillRef>
+              <a:effectRef idx="0">
+                <a:schemeClr val="accent1"/>
+              </a:effectRef>
+              <a:fontRef idx="minor">
+                <a:schemeClr val="tx1"/>
+              </a:fontRef>
+            </p:style>
+          </p:cxnSp>
+          <p:cxnSp>
+            <p:nvCxnSpPr>
+              <p:cNvPr id="43" name="Straight Arrow Connector 42">
+                <a:extLst>
+                  <a:ext uri="{FF2B5EF4-FFF2-40B4-BE49-F238E27FC236}">
+                    <a16:creationId xmlns:a16="http://schemas.microsoft.com/office/drawing/2014/main" id="{D6692C3F-B395-F715-DDB8-3718BF892364}"/>
+                  </a:ext>
+                </a:extLst>
+              </p:cNvPr>
+              <p:cNvCxnSpPr>
+                <a:stCxn id="11" idx="1"/>
+                <a:endCxn id="8" idx="3"/>
+              </p:cNvCxnSpPr>
+              <p:nvPr/>
+            </p:nvCxnSpPr>
+            <p:spPr>
+              <a:xfrm flipH="1">
+                <a:off x="4824471" y="2348339"/>
+                <a:ext cx="1830022" cy="0"/>
+              </a:xfrm>
+              <a:prstGeom prst="straightConnector1">
+                <a:avLst/>
+              </a:prstGeom>
+              <a:ln>
+                <a:solidFill>
+                  <a:schemeClr val="tx1"/>
+                </a:solidFill>
+                <a:tailEnd type="triangle"/>
+              </a:ln>
+            </p:spPr>
+            <p:style>
+              <a:lnRef idx="1">
+                <a:schemeClr val="accent1"/>
+              </a:lnRef>
+              <a:fillRef idx="0">
+                <a:schemeClr val="accent1"/>
+              </a:fillRef>
+              <a:effectRef idx="0">
+                <a:schemeClr val="accent1"/>
+              </a:effectRef>
+              <a:fontRef idx="minor">
+                <a:schemeClr val="tx1"/>
+              </a:fontRef>
+            </p:style>
+          </p:cxnSp>
+          <p:cxnSp>
+            <p:nvCxnSpPr>
+              <p:cNvPr id="45" name="Elbow Connector 44">
+                <a:extLst>
+                  <a:ext uri="{FF2B5EF4-FFF2-40B4-BE49-F238E27FC236}">
+                    <a16:creationId xmlns:a16="http://schemas.microsoft.com/office/drawing/2014/main" id="{FBFFFA6F-B481-1C2E-51A0-32238C9FA088}"/>
+                  </a:ext>
+                </a:extLst>
+              </p:cNvPr>
+              <p:cNvCxnSpPr>
+                <a:cxnSpLocks/>
+                <a:stCxn id="8" idx="1"/>
+                <a:endCxn id="6" idx="1"/>
+              </p:cNvCxnSpPr>
+              <p:nvPr/>
+            </p:nvCxnSpPr>
+            <p:spPr>
+              <a:xfrm rot="10800000" flipV="1">
+                <a:off x="2869547" y="2348338"/>
+                <a:ext cx="12700" cy="2340217"/>
+              </a:xfrm>
+              <a:prstGeom prst="bentConnector3">
+                <a:avLst>
+                  <a:gd name="adj1" fmla="val 5497299"/>
+                </a:avLst>
+              </a:prstGeom>
+              <a:ln>
+                <a:solidFill>
+                  <a:schemeClr val="tx1"/>
+                </a:solidFill>
+                <a:tailEnd type="triangle"/>
+              </a:ln>
+            </p:spPr>
+            <p:style>
+              <a:lnRef idx="1">
+                <a:schemeClr val="accent1"/>
+              </a:lnRef>
+              <a:fillRef idx="0">
+                <a:schemeClr val="accent1"/>
+              </a:fillRef>
+              <a:effectRef idx="0">
+                <a:schemeClr val="accent1"/>
+              </a:effectRef>
+              <a:fontRef idx="minor">
+                <a:schemeClr val="tx1"/>
+              </a:fontRef>
+            </p:style>
+          </p:cxnSp>
+          <p:sp>
+            <p:nvSpPr>
+              <p:cNvPr id="49" name="TextBox 48">
+                <a:extLst>
+                  <a:ext uri="{FF2B5EF4-FFF2-40B4-BE49-F238E27FC236}">
+                    <a16:creationId xmlns:a16="http://schemas.microsoft.com/office/drawing/2014/main" id="{3ED223BB-B765-0051-27A8-A096E6ABD509}"/>
+                  </a:ext>
+                </a:extLst>
+              </p:cNvPr>
+              <p:cNvSpPr txBox="1"/>
+              <p:nvPr/>
+            </p:nvSpPr>
+            <p:spPr>
+              <a:xfrm>
+                <a:off x="5347386" y="815988"/>
+                <a:ext cx="784189" cy="369332"/>
+              </a:xfrm>
+              <a:prstGeom prst="rect">
+                <a:avLst/>
+              </a:prstGeom>
+              <a:solidFill>
+                <a:schemeClr val="bg1"/>
+              </a:solidFill>
+            </p:spPr>
+            <p:txBody>
+              <a:bodyPr wrap="none" rtlCol="0" anchor="ctr">
+                <a:spAutoFit/>
+              </a:bodyPr>
+              <a:lstStyle/>
+              <a:p>
+                <a:pPr algn="ctr"/>
+                <a:r>
+                  <a:rPr lang="en-US" dirty="0"/>
+                  <a:t>login</a:t>
+                </a:r>
+                <a:r>
+                  <a:rPr lang="en-KR" dirty="0"/>
+                  <a:t>()</a:t>
+                </a:r>
+              </a:p>
+            </p:txBody>
+          </p:sp>
+          <p:sp>
+            <p:nvSpPr>
+              <p:cNvPr id="50" name="TextBox 49">
+                <a:extLst>
+                  <a:ext uri="{FF2B5EF4-FFF2-40B4-BE49-F238E27FC236}">
+                    <a16:creationId xmlns:a16="http://schemas.microsoft.com/office/drawing/2014/main" id="{87B7C8C4-7558-2DC1-F0CD-CB6216BB9876}"/>
+                  </a:ext>
+                </a:extLst>
+              </p:cNvPr>
+              <p:cNvSpPr txBox="1"/>
+              <p:nvPr/>
+            </p:nvSpPr>
+            <p:spPr>
+              <a:xfrm>
+                <a:off x="5028197" y="1195568"/>
+                <a:ext cx="1422569" cy="369332"/>
+              </a:xfrm>
+              <a:prstGeom prst="rect">
+                <a:avLst/>
+              </a:prstGeom>
+              <a:solidFill>
+                <a:schemeClr val="bg1"/>
+              </a:solidFill>
+            </p:spPr>
+            <p:txBody>
+              <a:bodyPr wrap="none" rtlCol="0" anchor="ctr">
+                <a:spAutoFit/>
+              </a:bodyPr>
+              <a:lstStyle/>
+              <a:p>
+                <a:pPr algn="ctr"/>
+                <a:r>
+                  <a:rPr lang="en-US" dirty="0" err="1"/>
+                  <a:t>httpsession</a:t>
+                </a:r>
+                <a:r>
+                  <a:rPr lang="en-KR" dirty="0"/>
+                  <a:t>()</a:t>
+                </a:r>
+              </a:p>
+            </p:txBody>
+          </p:sp>
+          <p:sp>
+            <p:nvSpPr>
+              <p:cNvPr id="55" name="TextBox 54">
+                <a:extLst>
+                  <a:ext uri="{FF2B5EF4-FFF2-40B4-BE49-F238E27FC236}">
+                    <a16:creationId xmlns:a16="http://schemas.microsoft.com/office/drawing/2014/main" id="{122C0D09-A62C-6A77-C688-FBF6B8A70DC3}"/>
+                  </a:ext>
+                </a:extLst>
+              </p:cNvPr>
+              <p:cNvSpPr txBox="1"/>
+              <p:nvPr/>
+            </p:nvSpPr>
+            <p:spPr>
+              <a:xfrm>
+                <a:off x="5330553" y="2379135"/>
+                <a:ext cx="817853" cy="369332"/>
+              </a:xfrm>
+              <a:prstGeom prst="rect">
+                <a:avLst/>
+              </a:prstGeom>
+              <a:solidFill>
+                <a:schemeClr val="bg1"/>
+              </a:solidFill>
+            </p:spPr>
+            <p:txBody>
+              <a:bodyPr wrap="none" rtlCol="0" anchor="ctr">
+                <a:spAutoFit/>
+              </a:bodyPr>
+              <a:lstStyle/>
+              <a:p>
+                <a:pPr algn="ctr"/>
+                <a:r>
+                  <a:rPr lang="en-US" dirty="0"/>
+                  <a:t>mark</a:t>
+                </a:r>
+                <a:r>
+                  <a:rPr lang="en-KR" dirty="0"/>
+                  <a:t>()</a:t>
+                </a:r>
+              </a:p>
+            </p:txBody>
+          </p:sp>
+          <p:sp>
+            <p:nvSpPr>
+              <p:cNvPr id="56" name="TextBox 55">
+                <a:extLst>
+                  <a:ext uri="{FF2B5EF4-FFF2-40B4-BE49-F238E27FC236}">
+                    <a16:creationId xmlns:a16="http://schemas.microsoft.com/office/drawing/2014/main" id="{B061DF5C-F1B9-BD5F-61AE-F1D211DF43C0}"/>
+                  </a:ext>
+                </a:extLst>
+              </p:cNvPr>
+              <p:cNvSpPr txBox="1"/>
+              <p:nvPr/>
+            </p:nvSpPr>
+            <p:spPr>
+              <a:xfrm>
+                <a:off x="9641277" y="815988"/>
+                <a:ext cx="1037400" cy="369332"/>
+              </a:xfrm>
+              <a:prstGeom prst="rect">
+                <a:avLst/>
+              </a:prstGeom>
+              <a:noFill/>
+            </p:spPr>
+            <p:txBody>
+              <a:bodyPr wrap="none" rtlCol="0" anchor="ctr">
+                <a:spAutoFit/>
+              </a:bodyPr>
+              <a:lstStyle/>
+              <a:p>
+                <a:pPr algn="ctr"/>
+                <a:r>
+                  <a:rPr lang="en-US" dirty="0"/>
+                  <a:t>register</a:t>
+                </a:r>
+                <a:r>
+                  <a:rPr lang="en-KR" dirty="0"/>
+                  <a:t>()</a:t>
+                </a:r>
+              </a:p>
+            </p:txBody>
+          </p:sp>
+          <p:sp>
+            <p:nvSpPr>
+              <p:cNvPr id="57" name="TextBox 56">
+                <a:extLst>
+                  <a:ext uri="{FF2B5EF4-FFF2-40B4-BE49-F238E27FC236}">
+                    <a16:creationId xmlns:a16="http://schemas.microsoft.com/office/drawing/2014/main" id="{273CC5FD-057B-0B3D-19B8-D916738FEDED}"/>
+                  </a:ext>
+                </a:extLst>
+              </p:cNvPr>
+              <p:cNvSpPr txBox="1"/>
+              <p:nvPr/>
+            </p:nvSpPr>
+            <p:spPr>
+              <a:xfrm>
+                <a:off x="9923021" y="1977831"/>
+                <a:ext cx="755656" cy="369332"/>
+              </a:xfrm>
+              <a:prstGeom prst="rect">
+                <a:avLst/>
+              </a:prstGeom>
+              <a:noFill/>
+            </p:spPr>
+            <p:txBody>
+              <a:bodyPr wrap="none" rtlCol="0" anchor="ctr">
+                <a:spAutoFit/>
+              </a:bodyPr>
+              <a:lstStyle/>
+              <a:p>
+                <a:pPr algn="ctr"/>
+                <a:r>
+                  <a:rPr lang="en-US" dirty="0"/>
+                  <a:t>save</a:t>
+                </a:r>
+                <a:r>
+                  <a:rPr lang="en-KR" dirty="0"/>
+                  <a:t>()</a:t>
+                </a:r>
+              </a:p>
+            </p:txBody>
+          </p:sp>
+          <p:sp>
+            <p:nvSpPr>
+              <p:cNvPr id="58" name="TextBox 57">
+                <a:extLst>
+                  <a:ext uri="{FF2B5EF4-FFF2-40B4-BE49-F238E27FC236}">
+                    <a16:creationId xmlns:a16="http://schemas.microsoft.com/office/drawing/2014/main" id="{FABF8719-6867-4A2F-FDF7-505486763E77}"/>
+                  </a:ext>
+                </a:extLst>
+              </p:cNvPr>
+              <p:cNvSpPr txBox="1"/>
+              <p:nvPr/>
+            </p:nvSpPr>
+            <p:spPr>
+              <a:xfrm>
+                <a:off x="9968226" y="3164329"/>
+                <a:ext cx="710451" cy="369332"/>
+              </a:xfrm>
+              <a:prstGeom prst="rect">
+                <a:avLst/>
+              </a:prstGeom>
+              <a:noFill/>
+            </p:spPr>
+            <p:txBody>
+              <a:bodyPr wrap="none" rtlCol="0" anchor="ctr">
+                <a:spAutoFit/>
+              </a:bodyPr>
+              <a:lstStyle/>
+              <a:p>
+                <a:pPr algn="ctr"/>
+                <a:r>
+                  <a:rPr lang="en-US" dirty="0"/>
+                  <a:t>sort</a:t>
+                </a:r>
+                <a:r>
+                  <a:rPr lang="en-KR" dirty="0"/>
+                  <a:t>()</a:t>
+                </a:r>
+              </a:p>
+            </p:txBody>
+          </p:sp>
+          <p:sp>
+            <p:nvSpPr>
+              <p:cNvPr id="59" name="TextBox 58">
+                <a:extLst>
+                  <a:ext uri="{FF2B5EF4-FFF2-40B4-BE49-F238E27FC236}">
+                    <a16:creationId xmlns:a16="http://schemas.microsoft.com/office/drawing/2014/main" id="{C0F506AE-416D-71E9-C92E-39F203E84E89}"/>
+                  </a:ext>
+                </a:extLst>
+              </p:cNvPr>
+              <p:cNvSpPr txBox="1"/>
+              <p:nvPr/>
+            </p:nvSpPr>
+            <p:spPr>
+              <a:xfrm>
+                <a:off x="9703730" y="4349712"/>
+                <a:ext cx="974947" cy="369332"/>
+              </a:xfrm>
+              <a:prstGeom prst="rect">
+                <a:avLst/>
+              </a:prstGeom>
+              <a:noFill/>
+            </p:spPr>
+            <p:txBody>
+              <a:bodyPr wrap="none" rtlCol="0" anchor="ctr">
+                <a:spAutoFit/>
+              </a:bodyPr>
+              <a:lstStyle/>
+              <a:p>
+                <a:pPr algn="ctr"/>
+                <a:r>
+                  <a:rPr lang="en-US" dirty="0"/>
+                  <a:t>theme</a:t>
+                </a:r>
+                <a:r>
+                  <a:rPr lang="en-KR" dirty="0"/>
+                  <a:t>()</a:t>
+                </a:r>
+              </a:p>
+            </p:txBody>
+          </p:sp>
+          <p:sp>
+            <p:nvSpPr>
+              <p:cNvPr id="60" name="TextBox 59">
+                <a:extLst>
+                  <a:ext uri="{FF2B5EF4-FFF2-40B4-BE49-F238E27FC236}">
+                    <a16:creationId xmlns:a16="http://schemas.microsoft.com/office/drawing/2014/main" id="{429959C2-37EA-0631-CEAF-C303A277BDE3}"/>
+                  </a:ext>
+                </a:extLst>
+              </p:cNvPr>
+              <p:cNvSpPr txBox="1"/>
+              <p:nvPr/>
+            </p:nvSpPr>
+            <p:spPr>
+              <a:xfrm>
+                <a:off x="1156723" y="3324339"/>
+                <a:ext cx="1619482" cy="369332"/>
+              </a:xfrm>
+              <a:prstGeom prst="rect">
+                <a:avLst/>
+              </a:prstGeom>
+              <a:solidFill>
+                <a:schemeClr val="bg1"/>
+              </a:solidFill>
+            </p:spPr>
+            <p:txBody>
+              <a:bodyPr wrap="none" rtlCol="0">
+                <a:spAutoFit/>
+              </a:bodyPr>
+              <a:lstStyle/>
+              <a:p>
+                <a:r>
+                  <a:rPr lang="en-US" dirty="0"/>
+                  <a:t>m</a:t>
+                </a:r>
+                <a:r>
+                  <a:rPr lang="en-KR" dirty="0"/>
+                  <a:t>arkercluster()</a:t>
+                </a:r>
+              </a:p>
+            </p:txBody>
+          </p:sp>
+          <p:sp>
+            <p:nvSpPr>
+              <p:cNvPr id="61" name="TextBox 60">
+                <a:extLst>
+                  <a:ext uri="{FF2B5EF4-FFF2-40B4-BE49-F238E27FC236}">
+                    <a16:creationId xmlns:a16="http://schemas.microsoft.com/office/drawing/2014/main" id="{594B09D1-1AD1-D0EE-F83A-93C87880188A}"/>
+                  </a:ext>
+                </a:extLst>
+              </p:cNvPr>
+              <p:cNvSpPr txBox="1"/>
+              <p:nvPr/>
+            </p:nvSpPr>
+            <p:spPr>
+              <a:xfrm>
+                <a:off x="9908113" y="6186156"/>
+                <a:ext cx="1541128" cy="523220"/>
+              </a:xfrm>
+              <a:prstGeom prst="rect">
+                <a:avLst/>
+              </a:prstGeom>
+              <a:noFill/>
+            </p:spPr>
+            <p:txBody>
+              <a:bodyPr wrap="none" rtlCol="0" anchor="ctr">
+                <a:spAutoFit/>
+              </a:bodyPr>
+              <a:lstStyle/>
+              <a:p>
+                <a:pPr algn="ctr"/>
+                <a:r>
+                  <a:rPr lang="en-KR" sz="2800" dirty="0"/>
+                  <a:t>Database</a:t>
+                </a:r>
+              </a:p>
+            </p:txBody>
+          </p:sp>
+        </p:grpSp>
         <p:sp>
           <p:nvSpPr>
-            <p:cNvPr id="4" name="Rectangle 3">
+            <p:cNvPr id="13" name="Rectangle 12">
               <a:extLst>
                 <a:ext uri="{FF2B5EF4-FFF2-40B4-BE49-F238E27FC236}">
-                  <a16:creationId xmlns:a16="http://schemas.microsoft.com/office/drawing/2014/main" id="{513B8517-45DC-D96E-A003-A3D76B2A14E9}"/>
+                  <a16:creationId xmlns:a16="http://schemas.microsoft.com/office/drawing/2014/main" id="{BC1EF0E6-237C-0FD3-1C0F-A1459AAFA4EC}"/>
                 </a:ext>
               </a:extLst>
             </p:cNvPr>
@@ -13968,7 +15429,7 @@
           </p:nvSpPr>
           <p:spPr>
             <a:xfrm>
-              <a:off x="2869547" y="756749"/>
+              <a:off x="6447511" y="5437183"/>
               <a:ext cx="1954924" cy="861848"/>
             </a:xfrm>
             <a:prstGeom prst="rect">
@@ -14008,379 +15469,7 @@
                     <a:schemeClr val="tx1"/>
                   </a:solidFill>
                 </a:rPr>
-                <a:t>회원가입</a:t>
-              </a:r>
-              <a:r>
-                <a:rPr lang="en-US" altLang="ko-KR" dirty="0">
-                  <a:solidFill>
-                    <a:schemeClr val="tx1"/>
-                  </a:solidFill>
-                </a:rPr>
-                <a:t>/</a:t>
-              </a:r>
-              <a:r>
-                <a:rPr lang="ko-KR" altLang="en-US" dirty="0">
-                  <a:solidFill>
-                    <a:schemeClr val="tx1"/>
-                  </a:solidFill>
-                </a:rPr>
-                <a:t>로그인 </a:t>
-              </a:r>
-              <a:r>
-                <a:rPr lang="en-US" dirty="0">
-                  <a:solidFill>
-                    <a:schemeClr val="tx1"/>
-                  </a:solidFill>
-                </a:rPr>
-                <a:t>class</a:t>
-              </a:r>
-            </a:p>
-          </p:txBody>
-        </p:sp>
-        <p:sp>
-          <p:nvSpPr>
-            <p:cNvPr id="5" name="Rectangle 4">
-              <a:extLst>
-                <a:ext uri="{FF2B5EF4-FFF2-40B4-BE49-F238E27FC236}">
-                  <a16:creationId xmlns:a16="http://schemas.microsoft.com/office/drawing/2014/main" id="{A3EFE5E5-926F-41D2-AC2C-D0AFE651DFBE}"/>
-                </a:ext>
-              </a:extLst>
-            </p:cNvPr>
-            <p:cNvSpPr/>
-            <p:nvPr/>
-          </p:nvSpPr>
-          <p:spPr>
-            <a:xfrm>
-              <a:off x="2869547" y="5437183"/>
-              <a:ext cx="1954924" cy="861848"/>
-            </a:xfrm>
-            <a:prstGeom prst="rect">
-              <a:avLst/>
-            </a:prstGeom>
-            <a:noFill/>
-            <a:ln>
-              <a:solidFill>
-                <a:schemeClr val="tx1"/>
-              </a:solidFill>
-            </a:ln>
-          </p:spPr>
-          <p:style>
-            <a:lnRef idx="2">
-              <a:schemeClr val="accent1">
-                <a:shade val="50000"/>
-              </a:schemeClr>
-            </a:lnRef>
-            <a:fillRef idx="1">
-              <a:schemeClr val="accent1"/>
-            </a:fillRef>
-            <a:effectRef idx="0">
-              <a:schemeClr val="accent1"/>
-            </a:effectRef>
-            <a:fontRef idx="minor">
-              <a:schemeClr val="lt1"/>
-            </a:fontRef>
-          </p:style>
-          <p:txBody>
-            <a:bodyPr rtlCol="0" anchor="ctr"/>
-            <a:lstStyle/>
-            <a:p>
-              <a:pPr algn="ctr"/>
-              <a:r>
-                <a:rPr lang="ko-KR" altLang="en-US" dirty="0">
-                  <a:solidFill>
-                    <a:schemeClr val="tx1"/>
-                  </a:solidFill>
-                </a:rPr>
-                <a:t>여행 일정 확인 및 편집 </a:t>
-              </a:r>
-              <a:r>
-                <a:rPr lang="en-US" altLang="ko-KR" dirty="0">
-                  <a:solidFill>
-                    <a:schemeClr val="tx1"/>
-                  </a:solidFill>
-                </a:rPr>
-                <a:t>class</a:t>
-              </a:r>
-              <a:endParaRPr lang="ko-KR" altLang="en-US" dirty="0">
-                <a:solidFill>
-                  <a:schemeClr val="tx1"/>
-                </a:solidFill>
-              </a:endParaRPr>
-            </a:p>
-          </p:txBody>
-        </p:sp>
-        <p:sp>
-          <p:nvSpPr>
-            <p:cNvPr id="6" name="Rectangle 5">
-              <a:extLst>
-                <a:ext uri="{FF2B5EF4-FFF2-40B4-BE49-F238E27FC236}">
-                  <a16:creationId xmlns:a16="http://schemas.microsoft.com/office/drawing/2014/main" id="{F6F4B914-8006-94D0-E438-1CDD8AEEA296}"/>
-                </a:ext>
-              </a:extLst>
-            </p:cNvPr>
-            <p:cNvSpPr/>
-            <p:nvPr/>
-          </p:nvSpPr>
-          <p:spPr>
-            <a:xfrm>
-              <a:off x="2869547" y="4257632"/>
-              <a:ext cx="1954924" cy="861848"/>
-            </a:xfrm>
-            <a:prstGeom prst="rect">
-              <a:avLst/>
-            </a:prstGeom>
-            <a:noFill/>
-            <a:ln>
-              <a:solidFill>
-                <a:schemeClr val="tx1"/>
-              </a:solidFill>
-            </a:ln>
-          </p:spPr>
-          <p:style>
-            <a:lnRef idx="2">
-              <a:schemeClr val="accent1">
-                <a:shade val="50000"/>
-              </a:schemeClr>
-            </a:lnRef>
-            <a:fillRef idx="1">
-              <a:schemeClr val="accent1"/>
-            </a:fillRef>
-            <a:effectRef idx="0">
-              <a:schemeClr val="accent1"/>
-            </a:effectRef>
-            <a:fontRef idx="minor">
-              <a:schemeClr val="lt1"/>
-            </a:fontRef>
-          </p:style>
-          <p:txBody>
-            <a:bodyPr rtlCol="0" anchor="ctr"/>
-            <a:lstStyle/>
-            <a:p>
-              <a:pPr algn="ctr"/>
-              <a:r>
-                <a:rPr lang="ko-KR" altLang="en-US" dirty="0">
-                  <a:solidFill>
-                    <a:schemeClr val="tx1"/>
-                  </a:solidFill>
-                </a:rPr>
-                <a:t>전국일주 </a:t>
-              </a:r>
-              <a:r>
-                <a:rPr lang="ko-KR" altLang="en-US" dirty="0" err="1">
-                  <a:solidFill>
-                    <a:schemeClr val="tx1"/>
-                  </a:solidFill>
-                </a:rPr>
-                <a:t>완료율</a:t>
-              </a:r>
-              <a:r>
-                <a:rPr lang="ko-KR" altLang="en-US" dirty="0">
-                  <a:solidFill>
-                    <a:schemeClr val="tx1"/>
-                  </a:solidFill>
-                </a:rPr>
-                <a:t> 퍼센트 확인 </a:t>
-              </a:r>
-              <a:r>
-                <a:rPr lang="en-US" dirty="0">
-                  <a:solidFill>
-                    <a:schemeClr val="tx1"/>
-                  </a:solidFill>
-                </a:rPr>
-                <a:t>class</a:t>
-              </a:r>
-            </a:p>
-          </p:txBody>
-        </p:sp>
-        <p:sp>
-          <p:nvSpPr>
-            <p:cNvPr id="7" name="Rectangle 6">
-              <a:extLst>
-                <a:ext uri="{FF2B5EF4-FFF2-40B4-BE49-F238E27FC236}">
-                  <a16:creationId xmlns:a16="http://schemas.microsoft.com/office/drawing/2014/main" id="{6B298612-A8F4-74E2-80FF-50F0D0EC71E4}"/>
-                </a:ext>
-              </a:extLst>
-            </p:cNvPr>
-            <p:cNvSpPr/>
-            <p:nvPr/>
-          </p:nvSpPr>
-          <p:spPr>
-            <a:xfrm>
-              <a:off x="2869547" y="3078081"/>
-              <a:ext cx="1954924" cy="861848"/>
-            </a:xfrm>
-            <a:prstGeom prst="rect">
-              <a:avLst/>
-            </a:prstGeom>
-            <a:noFill/>
-            <a:ln>
-              <a:solidFill>
-                <a:schemeClr val="tx1"/>
-              </a:solidFill>
-            </a:ln>
-          </p:spPr>
-          <p:style>
-            <a:lnRef idx="2">
-              <a:schemeClr val="accent1">
-                <a:shade val="50000"/>
-              </a:schemeClr>
-            </a:lnRef>
-            <a:fillRef idx="1">
-              <a:schemeClr val="accent1"/>
-            </a:fillRef>
-            <a:effectRef idx="0">
-              <a:schemeClr val="accent1"/>
-            </a:effectRef>
-            <a:fontRef idx="minor">
-              <a:schemeClr val="lt1"/>
-            </a:fontRef>
-          </p:style>
-          <p:txBody>
-            <a:bodyPr rtlCol="0" anchor="ctr"/>
-            <a:lstStyle/>
-            <a:p>
-              <a:pPr algn="ctr"/>
-              <a:r>
-                <a:rPr lang="ko-KR" altLang="en-US" dirty="0">
-                  <a:solidFill>
-                    <a:schemeClr val="tx1"/>
-                  </a:solidFill>
-                </a:rPr>
-                <a:t>현재 여행 지역 위도 경도 값 전송 </a:t>
-              </a:r>
-              <a:r>
-                <a:rPr lang="en-US" dirty="0">
-                  <a:solidFill>
-                    <a:schemeClr val="tx1"/>
-                  </a:solidFill>
-                </a:rPr>
-                <a:t>class</a:t>
-              </a:r>
-            </a:p>
-          </p:txBody>
-        </p:sp>
-        <p:sp>
-          <p:nvSpPr>
-            <p:cNvPr id="8" name="Rectangle 7">
-              <a:extLst>
-                <a:ext uri="{FF2B5EF4-FFF2-40B4-BE49-F238E27FC236}">
-                  <a16:creationId xmlns:a16="http://schemas.microsoft.com/office/drawing/2014/main" id="{6C7F99A6-2A62-F7E8-1F83-5C5D32B8C289}"/>
-                </a:ext>
-              </a:extLst>
-            </p:cNvPr>
-            <p:cNvSpPr/>
-            <p:nvPr/>
-          </p:nvSpPr>
-          <p:spPr>
-            <a:xfrm>
-              <a:off x="2869547" y="1917415"/>
-              <a:ext cx="1954924" cy="861848"/>
-            </a:xfrm>
-            <a:prstGeom prst="rect">
-              <a:avLst/>
-            </a:prstGeom>
-            <a:noFill/>
-            <a:ln>
-              <a:solidFill>
-                <a:schemeClr val="tx1"/>
-              </a:solidFill>
-            </a:ln>
-          </p:spPr>
-          <p:style>
-            <a:lnRef idx="2">
-              <a:schemeClr val="accent1">
-                <a:shade val="50000"/>
-              </a:schemeClr>
-            </a:lnRef>
-            <a:fillRef idx="1">
-              <a:schemeClr val="accent1"/>
-            </a:fillRef>
-            <a:effectRef idx="0">
-              <a:schemeClr val="accent1"/>
-            </a:effectRef>
-            <a:fontRef idx="minor">
-              <a:schemeClr val="lt1"/>
-            </a:fontRef>
-          </p:style>
-          <p:txBody>
-            <a:bodyPr rtlCol="0" anchor="ctr"/>
-            <a:lstStyle/>
-            <a:p>
-              <a:pPr algn="ctr"/>
-              <a:r>
-                <a:rPr lang="ko-KR" altLang="en-US" dirty="0">
-                  <a:solidFill>
-                    <a:schemeClr val="tx1"/>
-                  </a:solidFill>
-                </a:rPr>
-                <a:t>과거 여행 지역 정보 </a:t>
-              </a:r>
-              <a:r>
-                <a:rPr lang="en-US" dirty="0">
-                  <a:solidFill>
-                    <a:schemeClr val="tx1"/>
-                  </a:solidFill>
-                </a:rPr>
-                <a:t>Load class</a:t>
-              </a:r>
-            </a:p>
-          </p:txBody>
-        </p:sp>
-        <p:sp>
-          <p:nvSpPr>
-            <p:cNvPr id="9" name="Rectangle 8">
-              <a:extLst>
-                <a:ext uri="{FF2B5EF4-FFF2-40B4-BE49-F238E27FC236}">
-                  <a16:creationId xmlns:a16="http://schemas.microsoft.com/office/drawing/2014/main" id="{CF9BA51F-ECDE-D719-B312-808CF5DF16E5}"/>
-                </a:ext>
-              </a:extLst>
-            </p:cNvPr>
-            <p:cNvSpPr/>
-            <p:nvPr/>
-          </p:nvSpPr>
-          <p:spPr>
-            <a:xfrm>
-              <a:off x="6654493" y="4258011"/>
-              <a:ext cx="1954924" cy="861848"/>
-            </a:xfrm>
-            <a:prstGeom prst="rect">
-              <a:avLst/>
-            </a:prstGeom>
-            <a:noFill/>
-            <a:ln>
-              <a:solidFill>
-                <a:schemeClr val="tx1"/>
-              </a:solidFill>
-            </a:ln>
-          </p:spPr>
-          <p:style>
-            <a:lnRef idx="2">
-              <a:schemeClr val="accent1">
-                <a:shade val="50000"/>
-              </a:schemeClr>
-            </a:lnRef>
-            <a:fillRef idx="1">
-              <a:schemeClr val="accent1"/>
-            </a:fillRef>
-            <a:effectRef idx="0">
-              <a:schemeClr val="accent1"/>
-            </a:effectRef>
-            <a:fontRef idx="minor">
-              <a:schemeClr val="lt1"/>
-            </a:fontRef>
-          </p:style>
-          <p:txBody>
-            <a:bodyPr rtlCol="0" anchor="ctr"/>
-            <a:lstStyle/>
-            <a:p>
-              <a:pPr algn="ctr"/>
-              <a:r>
-                <a:rPr lang="ko-KR" altLang="en-US" dirty="0">
-                  <a:solidFill>
-                    <a:schemeClr val="tx1"/>
-                  </a:solidFill>
-                </a:rPr>
-                <a:t>테마 분리 </a:t>
+                <a:t>여행지 추천 저장 </a:t>
               </a:r>
               <a:r>
                 <a:rPr lang="en-US" dirty="0">
@@ -14398,517 +15487,21 @@
             </a:p>
           </p:txBody>
         </p:sp>
-        <p:sp>
-          <p:nvSpPr>
-            <p:cNvPr id="10" name="Rectangle 9">
+        <p:cxnSp>
+          <p:nvCxnSpPr>
+            <p:cNvPr id="15" name="Straight Arrow Connector 14">
               <a:extLst>
                 <a:ext uri="{FF2B5EF4-FFF2-40B4-BE49-F238E27FC236}">
-                  <a16:creationId xmlns:a16="http://schemas.microsoft.com/office/drawing/2014/main" id="{3C0CA5F9-F28E-72BA-1408-A97B1B7CBCAD}"/>
+                  <a16:creationId xmlns:a16="http://schemas.microsoft.com/office/drawing/2014/main" id="{C20D05E3-F344-CB48-584A-BDDBA53E7F14}"/>
                 </a:ext>
               </a:extLst>
             </p:cNvPr>
-            <p:cNvSpPr/>
-            <p:nvPr/>
-          </p:nvSpPr>
-          <p:spPr>
-            <a:xfrm>
-              <a:off x="6654493" y="3078081"/>
-              <a:ext cx="1954924" cy="861848"/>
-            </a:xfrm>
-            <a:prstGeom prst="rect">
-              <a:avLst/>
-            </a:prstGeom>
-            <a:noFill/>
-            <a:ln>
-              <a:solidFill>
-                <a:schemeClr val="tx1"/>
-              </a:solidFill>
-            </a:ln>
-          </p:spPr>
-          <p:style>
-            <a:lnRef idx="2">
-              <a:schemeClr val="accent1">
-                <a:shade val="50000"/>
-              </a:schemeClr>
-            </a:lnRef>
-            <a:fillRef idx="1">
-              <a:schemeClr val="accent1"/>
-            </a:fillRef>
-            <a:effectRef idx="0">
-              <a:schemeClr val="accent1"/>
-            </a:effectRef>
-            <a:fontRef idx="minor">
-              <a:schemeClr val="lt1"/>
-            </a:fontRef>
-          </p:style>
-          <p:txBody>
-            <a:bodyPr rtlCol="0" anchor="ctr"/>
-            <a:lstStyle/>
-            <a:p>
-              <a:pPr algn="ctr"/>
-              <a:r>
-                <a:rPr lang="ko-KR" altLang="en-US" dirty="0">
-                  <a:solidFill>
-                    <a:schemeClr val="tx1"/>
-                  </a:solidFill>
-                </a:rPr>
-                <a:t>지역 분리 </a:t>
-              </a:r>
-              <a:r>
-                <a:rPr lang="en-US" dirty="0">
-                  <a:solidFill>
-                    <a:schemeClr val="tx1"/>
-                  </a:solidFill>
-                </a:rPr>
-                <a:t>class</a:t>
-              </a:r>
-            </a:p>
-          </p:txBody>
-        </p:sp>
-        <p:sp>
-          <p:nvSpPr>
-            <p:cNvPr id="11" name="Rectangle 10">
-              <a:extLst>
-                <a:ext uri="{FF2B5EF4-FFF2-40B4-BE49-F238E27FC236}">
-                  <a16:creationId xmlns:a16="http://schemas.microsoft.com/office/drawing/2014/main" id="{98EF2EA0-626F-545C-2622-C38640D64F0D}"/>
-                </a:ext>
-              </a:extLst>
-            </p:cNvPr>
-            <p:cNvSpPr/>
-            <p:nvPr/>
-          </p:nvSpPr>
-          <p:spPr>
-            <a:xfrm>
-              <a:off x="6654493" y="1917415"/>
-              <a:ext cx="1954924" cy="861848"/>
-            </a:xfrm>
-            <a:prstGeom prst="rect">
-              <a:avLst/>
-            </a:prstGeom>
-            <a:noFill/>
-            <a:ln>
-              <a:solidFill>
-                <a:schemeClr val="tx1"/>
-              </a:solidFill>
-            </a:ln>
-          </p:spPr>
-          <p:style>
-            <a:lnRef idx="2">
-              <a:schemeClr val="accent1">
-                <a:shade val="50000"/>
-              </a:schemeClr>
-            </a:lnRef>
-            <a:fillRef idx="1">
-              <a:schemeClr val="accent1"/>
-            </a:fillRef>
-            <a:effectRef idx="0">
-              <a:schemeClr val="accent1"/>
-            </a:effectRef>
-            <a:fontRef idx="minor">
-              <a:schemeClr val="lt1"/>
-            </a:fontRef>
-          </p:style>
-          <p:txBody>
-            <a:bodyPr rtlCol="0" anchor="ctr"/>
-            <a:lstStyle/>
-            <a:p>
-              <a:pPr algn="ctr"/>
-              <a:r>
-                <a:rPr lang="ko-KR" altLang="en-US" dirty="0">
-                  <a:solidFill>
-                    <a:schemeClr val="tx1"/>
-                  </a:solidFill>
-                </a:rPr>
-                <a:t>사용자별 여행 정보 저장 </a:t>
-              </a:r>
-              <a:r>
-                <a:rPr lang="en-US" dirty="0">
-                  <a:solidFill>
-                    <a:schemeClr val="tx1"/>
-                  </a:solidFill>
-                </a:rPr>
-                <a:t>class</a:t>
-              </a:r>
-            </a:p>
-          </p:txBody>
-        </p:sp>
-        <p:sp>
-          <p:nvSpPr>
-            <p:cNvPr id="12" name="Rectangle 11">
-              <a:extLst>
-                <a:ext uri="{FF2B5EF4-FFF2-40B4-BE49-F238E27FC236}">
-                  <a16:creationId xmlns:a16="http://schemas.microsoft.com/office/drawing/2014/main" id="{1771D591-100D-EEE3-0031-D1D62B4D8ADF}"/>
-                </a:ext>
-              </a:extLst>
-            </p:cNvPr>
-            <p:cNvSpPr/>
-            <p:nvPr/>
-          </p:nvSpPr>
-          <p:spPr>
-            <a:xfrm>
-              <a:off x="6654493" y="756749"/>
-              <a:ext cx="1954924" cy="861848"/>
-            </a:xfrm>
-            <a:prstGeom prst="rect">
-              <a:avLst/>
-            </a:prstGeom>
-            <a:noFill/>
-            <a:ln>
-              <a:solidFill>
-                <a:schemeClr val="tx1"/>
-              </a:solidFill>
-            </a:ln>
-          </p:spPr>
-          <p:style>
-            <a:lnRef idx="2">
-              <a:schemeClr val="accent1">
-                <a:shade val="50000"/>
-              </a:schemeClr>
-            </a:lnRef>
-            <a:fillRef idx="1">
-              <a:schemeClr val="accent1"/>
-            </a:fillRef>
-            <a:effectRef idx="0">
-              <a:schemeClr val="accent1"/>
-            </a:effectRef>
-            <a:fontRef idx="minor">
-              <a:schemeClr val="lt1"/>
-            </a:fontRef>
-          </p:style>
-          <p:txBody>
-            <a:bodyPr rtlCol="0" anchor="ctr"/>
-            <a:lstStyle/>
-            <a:p>
-              <a:pPr algn="ctr"/>
-              <a:r>
-                <a:rPr lang="ko-KR" altLang="en-US" dirty="0">
-                  <a:solidFill>
-                    <a:schemeClr val="tx1"/>
-                  </a:solidFill>
-                </a:rPr>
-                <a:t>사용자별 정보 확인 </a:t>
-              </a:r>
-              <a:r>
-                <a:rPr lang="en-US" dirty="0">
-                  <a:solidFill>
-                    <a:schemeClr val="tx1"/>
-                  </a:solidFill>
-                </a:rPr>
-                <a:t>class</a:t>
-              </a:r>
-            </a:p>
-          </p:txBody>
-        </p:sp>
-        <p:cxnSp>
-          <p:nvCxnSpPr>
-            <p:cNvPr id="14" name="Straight Connector 13">
-              <a:extLst>
-                <a:ext uri="{FF2B5EF4-FFF2-40B4-BE49-F238E27FC236}">
-                  <a16:creationId xmlns:a16="http://schemas.microsoft.com/office/drawing/2014/main" id="{4EA46D83-205F-17B6-A3D9-E1DE2EB83220}"/>
-                </a:ext>
-              </a:extLst>
-            </p:cNvPr>
-            <p:cNvCxnSpPr>
-              <a:cxnSpLocks/>
-            </p:cNvCxnSpPr>
+            <p:cNvCxnSpPr/>
             <p:nvPr/>
           </p:nvCxnSpPr>
           <p:spPr>
             <a:xfrm>
-              <a:off x="5751410" y="148624"/>
-              <a:ext cx="0" cy="6560752"/>
-            </a:xfrm>
-            <a:prstGeom prst="line">
-              <a:avLst/>
-            </a:prstGeom>
-            <a:ln w="12700">
-              <a:solidFill>
-                <a:schemeClr val="tx1"/>
-              </a:solidFill>
-              <a:prstDash val="dashDot"/>
-            </a:ln>
-          </p:spPr>
-          <p:style>
-            <a:lnRef idx="1">
-              <a:schemeClr val="accent1"/>
-            </a:lnRef>
-            <a:fillRef idx="0">
-              <a:schemeClr val="accent1"/>
-            </a:fillRef>
-            <a:effectRef idx="0">
-              <a:schemeClr val="accent1"/>
-            </a:effectRef>
-            <a:fontRef idx="minor">
-              <a:schemeClr val="tx1"/>
-            </a:fontRef>
-          </p:style>
-        </p:cxnSp>
-        <p:sp>
-          <p:nvSpPr>
-            <p:cNvPr id="18" name="TextBox 17">
-              <a:extLst>
-                <a:ext uri="{FF2B5EF4-FFF2-40B4-BE49-F238E27FC236}">
-                  <a16:creationId xmlns:a16="http://schemas.microsoft.com/office/drawing/2014/main" id="{D029C030-C4CA-5AE0-BA23-1DF7F0A003E1}"/>
-                </a:ext>
-              </a:extLst>
-            </p:cNvPr>
-            <p:cNvSpPr txBox="1"/>
-            <p:nvPr/>
-          </p:nvSpPr>
-          <p:spPr>
-            <a:xfrm>
-              <a:off x="3088275" y="206890"/>
-              <a:ext cx="1517468" cy="523220"/>
-            </a:xfrm>
-            <a:prstGeom prst="rect">
-              <a:avLst/>
-            </a:prstGeom>
-            <a:noFill/>
-          </p:spPr>
-          <p:txBody>
-            <a:bodyPr wrap="none" rtlCol="0" anchor="ctr">
-              <a:spAutoFit/>
-            </a:bodyPr>
-            <a:lstStyle/>
-            <a:p>
-              <a:pPr algn="ctr"/>
-              <a:r>
-                <a:rPr lang="en-US" sz="2800" dirty="0" err="1"/>
-                <a:t>Forntend</a:t>
-              </a:r>
-              <a:endParaRPr lang="en-KR" sz="2800" dirty="0"/>
-            </a:p>
-          </p:txBody>
-        </p:sp>
-        <p:sp>
-          <p:nvSpPr>
-            <p:cNvPr id="19" name="TextBox 18">
-              <a:extLst>
-                <a:ext uri="{FF2B5EF4-FFF2-40B4-BE49-F238E27FC236}">
-                  <a16:creationId xmlns:a16="http://schemas.microsoft.com/office/drawing/2014/main" id="{1DDF60E3-13F1-D5C4-83BA-4DD6D3462CA1}"/>
-                </a:ext>
-              </a:extLst>
-            </p:cNvPr>
-            <p:cNvSpPr txBox="1"/>
-            <p:nvPr/>
-          </p:nvSpPr>
-          <p:spPr>
-            <a:xfrm>
-              <a:off x="6929421" y="206890"/>
-              <a:ext cx="1412246" cy="523220"/>
-            </a:xfrm>
-            <a:prstGeom prst="rect">
-              <a:avLst/>
-            </a:prstGeom>
-            <a:noFill/>
-          </p:spPr>
-          <p:txBody>
-            <a:bodyPr wrap="none" rtlCol="0" anchor="ctr">
-              <a:spAutoFit/>
-            </a:bodyPr>
-            <a:lstStyle/>
-            <a:p>
-              <a:pPr algn="ctr"/>
-              <a:r>
-                <a:rPr lang="en-US" sz="2800" dirty="0"/>
-                <a:t>Backend</a:t>
-              </a:r>
-              <a:endParaRPr lang="en-KR" sz="2800" dirty="0"/>
-            </a:p>
-          </p:txBody>
-        </p:sp>
-        <p:cxnSp>
-          <p:nvCxnSpPr>
-            <p:cNvPr id="22" name="Elbow Connector 21">
-              <a:extLst>
-                <a:ext uri="{FF2B5EF4-FFF2-40B4-BE49-F238E27FC236}">
-                  <a16:creationId xmlns:a16="http://schemas.microsoft.com/office/drawing/2014/main" id="{E80F7F13-15F7-F4C8-BB60-E27FA02FB3BA}"/>
-                </a:ext>
-              </a:extLst>
-            </p:cNvPr>
-            <p:cNvCxnSpPr>
-              <a:cxnSpLocks/>
-              <a:stCxn id="12" idx="3"/>
-            </p:cNvCxnSpPr>
-            <p:nvPr/>
-          </p:nvCxnSpPr>
-          <p:spPr>
-            <a:xfrm>
-              <a:off x="8609417" y="1187673"/>
-              <a:ext cx="2069260" cy="4409090"/>
-            </a:xfrm>
-            <a:prstGeom prst="bentConnector2">
-              <a:avLst/>
-            </a:prstGeom>
-            <a:ln>
-              <a:solidFill>
-                <a:schemeClr val="tx1"/>
-              </a:solidFill>
-              <a:tailEnd type="triangle"/>
-            </a:ln>
-          </p:spPr>
-          <p:style>
-            <a:lnRef idx="1">
-              <a:schemeClr val="accent1"/>
-            </a:lnRef>
-            <a:fillRef idx="0">
-              <a:schemeClr val="accent1"/>
-            </a:fillRef>
-            <a:effectRef idx="0">
-              <a:schemeClr val="accent1"/>
-            </a:effectRef>
-            <a:fontRef idx="minor">
-              <a:schemeClr val="tx1"/>
-            </a:fontRef>
-          </p:style>
-        </p:cxnSp>
-        <p:cxnSp>
-          <p:nvCxnSpPr>
-            <p:cNvPr id="25" name="Straight Connector 24">
-              <a:extLst>
-                <a:ext uri="{FF2B5EF4-FFF2-40B4-BE49-F238E27FC236}">
-                  <a16:creationId xmlns:a16="http://schemas.microsoft.com/office/drawing/2014/main" id="{7B0C1D9B-636D-7495-C735-018D24B7A1F4}"/>
-                </a:ext>
-              </a:extLst>
-            </p:cNvPr>
-            <p:cNvCxnSpPr>
-              <a:stCxn id="11" idx="3"/>
-            </p:cNvCxnSpPr>
-            <p:nvPr/>
-          </p:nvCxnSpPr>
-          <p:spPr>
-            <a:xfrm>
-              <a:off x="8609417" y="2348339"/>
-              <a:ext cx="2069260" cy="849"/>
-            </a:xfrm>
-            <a:prstGeom prst="line">
-              <a:avLst/>
-            </a:prstGeom>
-            <a:ln>
-              <a:solidFill>
-                <a:schemeClr val="tx1"/>
-              </a:solidFill>
-            </a:ln>
-          </p:spPr>
-          <p:style>
-            <a:lnRef idx="1">
-              <a:schemeClr val="accent1"/>
-            </a:lnRef>
-            <a:fillRef idx="0">
-              <a:schemeClr val="accent1"/>
-            </a:fillRef>
-            <a:effectRef idx="0">
-              <a:schemeClr val="accent1"/>
-            </a:effectRef>
-            <a:fontRef idx="minor">
-              <a:schemeClr val="tx1"/>
-            </a:fontRef>
-          </p:style>
-        </p:cxnSp>
-        <p:cxnSp>
-          <p:nvCxnSpPr>
-            <p:cNvPr id="27" name="Straight Connector 26">
-              <a:extLst>
-                <a:ext uri="{FF2B5EF4-FFF2-40B4-BE49-F238E27FC236}">
-                  <a16:creationId xmlns:a16="http://schemas.microsoft.com/office/drawing/2014/main" id="{451A0E38-7408-1E6E-F616-F6330115AD7E}"/>
-                </a:ext>
-              </a:extLst>
-            </p:cNvPr>
-            <p:cNvCxnSpPr>
-              <a:stCxn id="10" idx="3"/>
-            </p:cNvCxnSpPr>
-            <p:nvPr/>
-          </p:nvCxnSpPr>
-          <p:spPr>
-            <a:xfrm>
-              <a:off x="8609417" y="3509005"/>
-              <a:ext cx="2069260" cy="15479"/>
-            </a:xfrm>
-            <a:prstGeom prst="line">
-              <a:avLst/>
-            </a:prstGeom>
-            <a:ln>
-              <a:solidFill>
-                <a:schemeClr val="tx1"/>
-              </a:solidFill>
-            </a:ln>
-          </p:spPr>
-          <p:style>
-            <a:lnRef idx="1">
-              <a:schemeClr val="accent1"/>
-            </a:lnRef>
-            <a:fillRef idx="0">
-              <a:schemeClr val="accent1"/>
-            </a:fillRef>
-            <a:effectRef idx="0">
-              <a:schemeClr val="accent1"/>
-            </a:effectRef>
-            <a:fontRef idx="minor">
-              <a:schemeClr val="tx1"/>
-            </a:fontRef>
-          </p:style>
-        </p:cxnSp>
-        <p:cxnSp>
-          <p:nvCxnSpPr>
-            <p:cNvPr id="29" name="Straight Connector 28">
-              <a:extLst>
-                <a:ext uri="{FF2B5EF4-FFF2-40B4-BE49-F238E27FC236}">
-                  <a16:creationId xmlns:a16="http://schemas.microsoft.com/office/drawing/2014/main" id="{38DBECD6-51F9-07C2-7AD0-2446DE4DEDDD}"/>
-                </a:ext>
-              </a:extLst>
-            </p:cNvPr>
-            <p:cNvCxnSpPr>
-              <a:stCxn id="9" idx="3"/>
-            </p:cNvCxnSpPr>
-            <p:nvPr/>
-          </p:nvCxnSpPr>
-          <p:spPr>
-            <a:xfrm>
-              <a:off x="8609417" y="4688935"/>
-              <a:ext cx="2069260" cy="30109"/>
-            </a:xfrm>
-            <a:prstGeom prst="line">
-              <a:avLst/>
-            </a:prstGeom>
-            <a:ln>
-              <a:solidFill>
-                <a:schemeClr val="tx1"/>
-              </a:solidFill>
-            </a:ln>
-          </p:spPr>
-          <p:style>
-            <a:lnRef idx="1">
-              <a:schemeClr val="accent1"/>
-            </a:lnRef>
-            <a:fillRef idx="0">
-              <a:schemeClr val="accent1"/>
-            </a:fillRef>
-            <a:effectRef idx="0">
-              <a:schemeClr val="accent1"/>
-            </a:effectRef>
-            <a:fontRef idx="minor">
-              <a:schemeClr val="tx1"/>
-            </a:fontRef>
-          </p:style>
-        </p:cxnSp>
-        <p:cxnSp>
-          <p:nvCxnSpPr>
-            <p:cNvPr id="37" name="Straight Arrow Connector 36">
-              <a:extLst>
-                <a:ext uri="{FF2B5EF4-FFF2-40B4-BE49-F238E27FC236}">
-                  <a16:creationId xmlns:a16="http://schemas.microsoft.com/office/drawing/2014/main" id="{E7F726F8-A41A-D4FF-C528-BA2710EAC989}"/>
-                </a:ext>
-              </a:extLst>
-            </p:cNvPr>
-            <p:cNvCxnSpPr>
-              <a:stCxn id="4" idx="3"/>
-              <a:endCxn id="12" idx="1"/>
-            </p:cNvCxnSpPr>
-            <p:nvPr/>
-          </p:nvCxnSpPr>
-          <p:spPr>
-            <a:xfrm>
-              <a:off x="4824471" y="1187673"/>
+              <a:off x="4617486" y="5873650"/>
               <a:ext cx="1830022" cy="0"/>
             </a:xfrm>
             <a:prstGeom prst="straightConnector1">
@@ -14939,80 +15532,28 @@
         </p:cxnSp>
         <p:cxnSp>
           <p:nvCxnSpPr>
-            <p:cNvPr id="43" name="Straight Arrow Connector 42">
+            <p:cNvPr id="16" name="Straight Connector 15">
               <a:extLst>
                 <a:ext uri="{FF2B5EF4-FFF2-40B4-BE49-F238E27FC236}">
-                  <a16:creationId xmlns:a16="http://schemas.microsoft.com/office/drawing/2014/main" id="{D6692C3F-B395-F715-DDB8-3718BF892364}"/>
+                  <a16:creationId xmlns:a16="http://schemas.microsoft.com/office/drawing/2014/main" id="{4C9ED50C-6761-7A34-40D6-F3A7B08506B4}"/>
                 </a:ext>
               </a:extLst>
             </p:cNvPr>
-            <p:cNvCxnSpPr>
-              <a:stCxn id="11" idx="1"/>
-              <a:endCxn id="8" idx="3"/>
-            </p:cNvCxnSpPr>
+            <p:cNvCxnSpPr/>
             <p:nvPr/>
           </p:nvCxnSpPr>
           <p:spPr>
-            <a:xfrm flipH="1">
-              <a:off x="4824471" y="2348339"/>
-              <a:ext cx="1830022" cy="0"/>
+            <a:xfrm>
+              <a:off x="8396831" y="5855199"/>
+              <a:ext cx="2069260" cy="30109"/>
             </a:xfrm>
-            <a:prstGeom prst="straightConnector1">
+            <a:prstGeom prst="line">
               <a:avLst/>
             </a:prstGeom>
             <a:ln>
               <a:solidFill>
                 <a:schemeClr val="tx1"/>
               </a:solidFill>
-              <a:tailEnd type="triangle"/>
-            </a:ln>
-          </p:spPr>
-          <p:style>
-            <a:lnRef idx="1">
-              <a:schemeClr val="accent1"/>
-            </a:lnRef>
-            <a:fillRef idx="0">
-              <a:schemeClr val="accent1"/>
-            </a:fillRef>
-            <a:effectRef idx="0">
-              <a:schemeClr val="accent1"/>
-            </a:effectRef>
-            <a:fontRef idx="minor">
-              <a:schemeClr val="tx1"/>
-            </a:fontRef>
-          </p:style>
-        </p:cxnSp>
-        <p:cxnSp>
-          <p:nvCxnSpPr>
-            <p:cNvPr id="45" name="Elbow Connector 44">
-              <a:extLst>
-                <a:ext uri="{FF2B5EF4-FFF2-40B4-BE49-F238E27FC236}">
-                  <a16:creationId xmlns:a16="http://schemas.microsoft.com/office/drawing/2014/main" id="{FBFFFA6F-B481-1C2E-51A0-32238C9FA088}"/>
-                </a:ext>
-              </a:extLst>
-            </p:cNvPr>
-            <p:cNvCxnSpPr>
-              <a:cxnSpLocks/>
-              <a:stCxn id="8" idx="1"/>
-              <a:endCxn id="6" idx="1"/>
-            </p:cNvCxnSpPr>
-            <p:nvPr/>
-          </p:nvCxnSpPr>
-          <p:spPr>
-            <a:xfrm rot="10800000" flipV="1">
-              <a:off x="2869547" y="2348338"/>
-              <a:ext cx="12700" cy="2340217"/>
-            </a:xfrm>
-            <a:prstGeom prst="bentConnector3">
-              <a:avLst>
-                <a:gd name="adj1" fmla="val 5497299"/>
-              </a:avLst>
-            </a:prstGeom>
-            <a:ln>
-              <a:solidFill>
-                <a:schemeClr val="tx1"/>
-              </a:solidFill>
-              <a:tailEnd type="triangle"/>
             </a:ln>
           </p:spPr>
           <p:style>
@@ -15032,10 +15573,10 @@
         </p:cxnSp>
         <p:sp>
           <p:nvSpPr>
-            <p:cNvPr id="49" name="TextBox 48">
+            <p:cNvPr id="21" name="TextBox 20">
               <a:extLst>
                 <a:ext uri="{FF2B5EF4-FFF2-40B4-BE49-F238E27FC236}">
-                  <a16:creationId xmlns:a16="http://schemas.microsoft.com/office/drawing/2014/main" id="{3ED223BB-B765-0051-27A8-A096E6ABD509}"/>
+                  <a16:creationId xmlns:a16="http://schemas.microsoft.com/office/drawing/2014/main" id="{6B5415E9-B04E-713B-C5CF-E4463569D5F8}"/>
                 </a:ext>
               </a:extLst>
             </p:cNvPr>
@@ -15044,134 +15585,8 @@
           </p:nvSpPr>
           <p:spPr>
             <a:xfrm>
-              <a:off x="5347386" y="815988"/>
-              <a:ext cx="784189" cy="369332"/>
-            </a:xfrm>
-            <a:prstGeom prst="rect">
-              <a:avLst/>
-            </a:prstGeom>
-            <a:solidFill>
-              <a:schemeClr val="bg1"/>
-            </a:solidFill>
-          </p:spPr>
-          <p:txBody>
-            <a:bodyPr wrap="none" rtlCol="0" anchor="ctr">
-              <a:spAutoFit/>
-            </a:bodyPr>
-            <a:lstStyle/>
-            <a:p>
-              <a:pPr algn="ctr"/>
-              <a:r>
-                <a:rPr lang="en-US" dirty="0"/>
-                <a:t>login</a:t>
-              </a:r>
-              <a:r>
-                <a:rPr lang="en-KR" dirty="0"/>
-                <a:t>()</a:t>
-              </a:r>
-            </a:p>
-          </p:txBody>
-        </p:sp>
-        <p:sp>
-          <p:nvSpPr>
-            <p:cNvPr id="50" name="TextBox 49">
-              <a:extLst>
-                <a:ext uri="{FF2B5EF4-FFF2-40B4-BE49-F238E27FC236}">
-                  <a16:creationId xmlns:a16="http://schemas.microsoft.com/office/drawing/2014/main" id="{87B7C8C4-7558-2DC1-F0CD-CB6216BB9876}"/>
-                </a:ext>
-              </a:extLst>
-            </p:cNvPr>
-            <p:cNvSpPr txBox="1"/>
-            <p:nvPr/>
-          </p:nvSpPr>
-          <p:spPr>
-            <a:xfrm>
-              <a:off x="5028197" y="1195568"/>
-              <a:ext cx="1422569" cy="369332"/>
-            </a:xfrm>
-            <a:prstGeom prst="rect">
-              <a:avLst/>
-            </a:prstGeom>
-            <a:solidFill>
-              <a:schemeClr val="bg1"/>
-            </a:solidFill>
-          </p:spPr>
-          <p:txBody>
-            <a:bodyPr wrap="none" rtlCol="0" anchor="ctr">
-              <a:spAutoFit/>
-            </a:bodyPr>
-            <a:lstStyle/>
-            <a:p>
-              <a:pPr algn="ctr"/>
-              <a:r>
-                <a:rPr lang="en-US" dirty="0" err="1"/>
-                <a:t>httpsession</a:t>
-              </a:r>
-              <a:r>
-                <a:rPr lang="en-KR" dirty="0"/>
-                <a:t>()</a:t>
-              </a:r>
-            </a:p>
-          </p:txBody>
-        </p:sp>
-        <p:sp>
-          <p:nvSpPr>
-            <p:cNvPr id="55" name="TextBox 54">
-              <a:extLst>
-                <a:ext uri="{FF2B5EF4-FFF2-40B4-BE49-F238E27FC236}">
-                  <a16:creationId xmlns:a16="http://schemas.microsoft.com/office/drawing/2014/main" id="{122C0D09-A62C-6A77-C688-FBF6B8A70DC3}"/>
-                </a:ext>
-              </a:extLst>
-            </p:cNvPr>
-            <p:cNvSpPr txBox="1"/>
-            <p:nvPr/>
-          </p:nvSpPr>
-          <p:spPr>
-            <a:xfrm>
-              <a:off x="5330553" y="2379135"/>
-              <a:ext cx="817853" cy="369332"/>
-            </a:xfrm>
-            <a:prstGeom prst="rect">
-              <a:avLst/>
-            </a:prstGeom>
-            <a:solidFill>
-              <a:schemeClr val="bg1"/>
-            </a:solidFill>
-          </p:spPr>
-          <p:txBody>
-            <a:bodyPr wrap="none" rtlCol="0" anchor="ctr">
-              <a:spAutoFit/>
-            </a:bodyPr>
-            <a:lstStyle/>
-            <a:p>
-              <a:pPr algn="ctr"/>
-              <a:r>
-                <a:rPr lang="en-US" dirty="0"/>
-                <a:t>mark</a:t>
-              </a:r>
-              <a:r>
-                <a:rPr lang="en-KR" dirty="0"/>
-                <a:t>()</a:t>
-              </a:r>
-            </a:p>
-          </p:txBody>
-        </p:sp>
-        <p:sp>
-          <p:nvSpPr>
-            <p:cNvPr id="56" name="TextBox 55">
-              <a:extLst>
-                <a:ext uri="{FF2B5EF4-FFF2-40B4-BE49-F238E27FC236}">
-                  <a16:creationId xmlns:a16="http://schemas.microsoft.com/office/drawing/2014/main" id="{B061DF5C-F1B9-BD5F-61AE-F1D211DF43C0}"/>
-                </a:ext>
-              </a:extLst>
-            </p:cNvPr>
-            <p:cNvSpPr txBox="1"/>
-            <p:nvPr/>
-          </p:nvSpPr>
-          <p:spPr>
-            <a:xfrm>
-              <a:off x="9641277" y="815988"/>
-              <a:ext cx="1037400" cy="369332"/>
+              <a:off x="9561503" y="5507770"/>
+              <a:ext cx="856646" cy="369332"/>
             </a:xfrm>
             <a:prstGeom prst="rect">
               <a:avLst/>
@@ -15187,208 +15602,11 @@
               <a:pPr algn="ctr"/>
               <a:r>
                 <a:rPr lang="en-US" dirty="0"/>
-                <a:t>register</a:t>
+                <a:t>save2</a:t>
               </a:r>
               <a:r>
                 <a:rPr lang="en-KR" dirty="0"/>
                 <a:t>()</a:t>
-              </a:r>
-            </a:p>
-          </p:txBody>
-        </p:sp>
-        <p:sp>
-          <p:nvSpPr>
-            <p:cNvPr id="57" name="TextBox 56">
-              <a:extLst>
-                <a:ext uri="{FF2B5EF4-FFF2-40B4-BE49-F238E27FC236}">
-                  <a16:creationId xmlns:a16="http://schemas.microsoft.com/office/drawing/2014/main" id="{273CC5FD-057B-0B3D-19B8-D916738FEDED}"/>
-                </a:ext>
-              </a:extLst>
-            </p:cNvPr>
-            <p:cNvSpPr txBox="1"/>
-            <p:nvPr/>
-          </p:nvSpPr>
-          <p:spPr>
-            <a:xfrm>
-              <a:off x="9923021" y="1977831"/>
-              <a:ext cx="755656" cy="369332"/>
-            </a:xfrm>
-            <a:prstGeom prst="rect">
-              <a:avLst/>
-            </a:prstGeom>
-            <a:noFill/>
-          </p:spPr>
-          <p:txBody>
-            <a:bodyPr wrap="none" rtlCol="0" anchor="ctr">
-              <a:spAutoFit/>
-            </a:bodyPr>
-            <a:lstStyle/>
-            <a:p>
-              <a:pPr algn="ctr"/>
-              <a:r>
-                <a:rPr lang="en-US" dirty="0"/>
-                <a:t>save</a:t>
-              </a:r>
-              <a:r>
-                <a:rPr lang="en-KR" dirty="0"/>
-                <a:t>()</a:t>
-              </a:r>
-            </a:p>
-          </p:txBody>
-        </p:sp>
-        <p:sp>
-          <p:nvSpPr>
-            <p:cNvPr id="58" name="TextBox 57">
-              <a:extLst>
-                <a:ext uri="{FF2B5EF4-FFF2-40B4-BE49-F238E27FC236}">
-                  <a16:creationId xmlns:a16="http://schemas.microsoft.com/office/drawing/2014/main" id="{FABF8719-6867-4A2F-FDF7-505486763E77}"/>
-                </a:ext>
-              </a:extLst>
-            </p:cNvPr>
-            <p:cNvSpPr txBox="1"/>
-            <p:nvPr/>
-          </p:nvSpPr>
-          <p:spPr>
-            <a:xfrm>
-              <a:off x="9968226" y="3164329"/>
-              <a:ext cx="710451" cy="369332"/>
-            </a:xfrm>
-            <a:prstGeom prst="rect">
-              <a:avLst/>
-            </a:prstGeom>
-            <a:noFill/>
-          </p:spPr>
-          <p:txBody>
-            <a:bodyPr wrap="none" rtlCol="0" anchor="ctr">
-              <a:spAutoFit/>
-            </a:bodyPr>
-            <a:lstStyle/>
-            <a:p>
-              <a:pPr algn="ctr"/>
-              <a:r>
-                <a:rPr lang="en-US" dirty="0"/>
-                <a:t>sort</a:t>
-              </a:r>
-              <a:r>
-                <a:rPr lang="en-KR" dirty="0"/>
-                <a:t>()</a:t>
-              </a:r>
-            </a:p>
-          </p:txBody>
-        </p:sp>
-        <p:sp>
-          <p:nvSpPr>
-            <p:cNvPr id="59" name="TextBox 58">
-              <a:extLst>
-                <a:ext uri="{FF2B5EF4-FFF2-40B4-BE49-F238E27FC236}">
-                  <a16:creationId xmlns:a16="http://schemas.microsoft.com/office/drawing/2014/main" id="{C0F506AE-416D-71E9-C92E-39F203E84E89}"/>
-                </a:ext>
-              </a:extLst>
-            </p:cNvPr>
-            <p:cNvSpPr txBox="1"/>
-            <p:nvPr/>
-          </p:nvSpPr>
-          <p:spPr>
-            <a:xfrm>
-              <a:off x="9703730" y="4349712"/>
-              <a:ext cx="974947" cy="369332"/>
-            </a:xfrm>
-            <a:prstGeom prst="rect">
-              <a:avLst/>
-            </a:prstGeom>
-            <a:noFill/>
-          </p:spPr>
-          <p:txBody>
-            <a:bodyPr wrap="none" rtlCol="0" anchor="ctr">
-              <a:spAutoFit/>
-            </a:bodyPr>
-            <a:lstStyle/>
-            <a:p>
-              <a:pPr algn="ctr"/>
-              <a:r>
-                <a:rPr lang="en-US" dirty="0"/>
-                <a:t>theme</a:t>
-              </a:r>
-              <a:r>
-                <a:rPr lang="en-KR" dirty="0"/>
-                <a:t>()</a:t>
-              </a:r>
-            </a:p>
-          </p:txBody>
-        </p:sp>
-        <p:sp>
-          <p:nvSpPr>
-            <p:cNvPr id="60" name="TextBox 59">
-              <a:extLst>
-                <a:ext uri="{FF2B5EF4-FFF2-40B4-BE49-F238E27FC236}">
-                  <a16:creationId xmlns:a16="http://schemas.microsoft.com/office/drawing/2014/main" id="{429959C2-37EA-0631-CEAF-C303A277BDE3}"/>
-                </a:ext>
-              </a:extLst>
-            </p:cNvPr>
-            <p:cNvSpPr txBox="1"/>
-            <p:nvPr/>
-          </p:nvSpPr>
-          <p:spPr>
-            <a:xfrm>
-              <a:off x="1156723" y="3324339"/>
-              <a:ext cx="1619482" cy="369332"/>
-            </a:xfrm>
-            <a:prstGeom prst="rect">
-              <a:avLst/>
-            </a:prstGeom>
-            <a:solidFill>
-              <a:schemeClr val="bg1"/>
-            </a:solidFill>
-          </p:spPr>
-          <p:txBody>
-            <a:bodyPr wrap="none" rtlCol="0">
-              <a:spAutoFit/>
-            </a:bodyPr>
-            <a:lstStyle/>
-            <a:p>
-              <a:r>
-                <a:rPr lang="en-US" dirty="0"/>
-                <a:t>m</a:t>
-              </a:r>
-              <a:r>
-                <a:rPr lang="en-KR" dirty="0"/>
-                <a:t>arkercluster()</a:t>
-              </a:r>
-            </a:p>
-          </p:txBody>
-        </p:sp>
-        <p:sp>
-          <p:nvSpPr>
-            <p:cNvPr id="61" name="TextBox 60">
-              <a:extLst>
-                <a:ext uri="{FF2B5EF4-FFF2-40B4-BE49-F238E27FC236}">
-                  <a16:creationId xmlns:a16="http://schemas.microsoft.com/office/drawing/2014/main" id="{594B09D1-1AD1-D0EE-F83A-93C87880188A}"/>
-                </a:ext>
-              </a:extLst>
-            </p:cNvPr>
-            <p:cNvSpPr txBox="1"/>
-            <p:nvPr/>
-          </p:nvSpPr>
-          <p:spPr>
-            <a:xfrm>
-              <a:off x="9908113" y="5598770"/>
-              <a:ext cx="1541128" cy="523220"/>
-            </a:xfrm>
-            <a:prstGeom prst="rect">
-              <a:avLst/>
-            </a:prstGeom>
-            <a:noFill/>
-          </p:spPr>
-          <p:txBody>
-            <a:bodyPr wrap="none" rtlCol="0" anchor="ctr">
-              <a:spAutoFit/>
-            </a:bodyPr>
-            <a:lstStyle/>
-            <a:p>
-              <a:pPr algn="ctr"/>
-              <a:r>
-                <a:rPr lang="en-KR" sz="2800" dirty="0"/>
-                <a:t>Database</a:t>
               </a:r>
             </a:p>
           </p:txBody>
